--- a/lecture11/aval_lecture11.pptx
+++ b/lecture11/aval_lecture11.pptx
@@ -5,7 +5,7 @@
     <p:sldMasterId id="2147483648" r:id="rId1"/>
   </p:sldMasterIdLst>
   <p:notesMasterIdLst>
-    <p:notesMasterId r:id="rId27"/>
+    <p:notesMasterId r:id="rId30"/>
   </p:notesMasterIdLst>
   <p:sldIdLst>
     <p:sldId id="256" r:id="rId2"/>
@@ -26,13 +26,16 @@
     <p:sldId id="371" r:id="rId17"/>
     <p:sldId id="372" r:id="rId18"/>
     <p:sldId id="373" r:id="rId19"/>
-    <p:sldId id="374" r:id="rId20"/>
-    <p:sldId id="367" r:id="rId21"/>
-    <p:sldId id="375" r:id="rId22"/>
-    <p:sldId id="376" r:id="rId23"/>
-    <p:sldId id="377" r:id="rId24"/>
-    <p:sldId id="271" r:id="rId25"/>
-    <p:sldId id="378" r:id="rId26"/>
+    <p:sldId id="379" r:id="rId20"/>
+    <p:sldId id="374" r:id="rId21"/>
+    <p:sldId id="367" r:id="rId22"/>
+    <p:sldId id="375" r:id="rId23"/>
+    <p:sldId id="376" r:id="rId24"/>
+    <p:sldId id="377" r:id="rId25"/>
+    <p:sldId id="271" r:id="rId26"/>
+    <p:sldId id="378" r:id="rId27"/>
+    <p:sldId id="380" r:id="rId28"/>
+    <p:sldId id="381" r:id="rId29"/>
   </p:sldIdLst>
   <p:sldSz cx="12192000" cy="6858000"/>
   <p:notesSz cx="6858000" cy="9144000"/>
@@ -221,7 +224,7 @@
           <a:p>
             <a:fld id="{245B7D56-965F-469F-BEA5-E8F39E79D044}" type="datetimeFigureOut">
               <a:rPr lang="en-US" smtClean="0"/>
-              <a:t>5/4/2023</a:t>
+              <a:t>5/11/2023</a:t>
             </a:fld>
             <a:endParaRPr lang="en-US"/>
           </a:p>
@@ -635,7 +638,7 @@
           <a:p>
             <a:fld id="{27692000-C1C0-4642-A41E-B90B2B2FE916}" type="datetimeFigureOut">
               <a:rPr lang="en-US" smtClean="0"/>
-              <a:t>5/4/2023</a:t>
+              <a:t>5/11/2023</a:t>
             </a:fld>
             <a:endParaRPr lang="en-US"/>
           </a:p>
@@ -833,7 +836,7 @@
           <a:p>
             <a:fld id="{27692000-C1C0-4642-A41E-B90B2B2FE916}" type="datetimeFigureOut">
               <a:rPr lang="en-US" smtClean="0"/>
-              <a:t>5/4/2023</a:t>
+              <a:t>5/11/2023</a:t>
             </a:fld>
             <a:endParaRPr lang="en-US"/>
           </a:p>
@@ -1041,7 +1044,7 @@
           <a:p>
             <a:fld id="{27692000-C1C0-4642-A41E-B90B2B2FE916}" type="datetimeFigureOut">
               <a:rPr lang="en-US" smtClean="0"/>
-              <a:t>5/4/2023</a:t>
+              <a:t>5/11/2023</a:t>
             </a:fld>
             <a:endParaRPr lang="en-US"/>
           </a:p>
@@ -1239,7 +1242,7 @@
           <a:p>
             <a:fld id="{27692000-C1C0-4642-A41E-B90B2B2FE916}" type="datetimeFigureOut">
               <a:rPr lang="en-US" smtClean="0"/>
-              <a:t>5/4/2023</a:t>
+              <a:t>5/11/2023</a:t>
             </a:fld>
             <a:endParaRPr lang="en-US"/>
           </a:p>
@@ -1514,7 +1517,7 @@
           <a:p>
             <a:fld id="{27692000-C1C0-4642-A41E-B90B2B2FE916}" type="datetimeFigureOut">
               <a:rPr lang="en-US" smtClean="0"/>
-              <a:t>5/4/2023</a:t>
+              <a:t>5/11/2023</a:t>
             </a:fld>
             <a:endParaRPr lang="en-US"/>
           </a:p>
@@ -1779,7 +1782,7 @@
           <a:p>
             <a:fld id="{27692000-C1C0-4642-A41E-B90B2B2FE916}" type="datetimeFigureOut">
               <a:rPr lang="en-US" smtClean="0"/>
-              <a:t>5/4/2023</a:t>
+              <a:t>5/11/2023</a:t>
             </a:fld>
             <a:endParaRPr lang="en-US"/>
           </a:p>
@@ -2191,7 +2194,7 @@
           <a:p>
             <a:fld id="{27692000-C1C0-4642-A41E-B90B2B2FE916}" type="datetimeFigureOut">
               <a:rPr lang="en-US" smtClean="0"/>
-              <a:t>5/4/2023</a:t>
+              <a:t>5/11/2023</a:t>
             </a:fld>
             <a:endParaRPr lang="en-US"/>
           </a:p>
@@ -2332,7 +2335,7 @@
           <a:p>
             <a:fld id="{27692000-C1C0-4642-A41E-B90B2B2FE916}" type="datetimeFigureOut">
               <a:rPr lang="en-US" smtClean="0"/>
-              <a:t>5/4/2023</a:t>
+              <a:t>5/11/2023</a:t>
             </a:fld>
             <a:endParaRPr lang="en-US"/>
           </a:p>
@@ -2445,7 +2448,7 @@
           <a:p>
             <a:fld id="{27692000-C1C0-4642-A41E-B90B2B2FE916}" type="datetimeFigureOut">
               <a:rPr lang="en-US" smtClean="0"/>
-              <a:t>5/4/2023</a:t>
+              <a:t>5/11/2023</a:t>
             </a:fld>
             <a:endParaRPr lang="en-US"/>
           </a:p>
@@ -2756,7 +2759,7 @@
           <a:p>
             <a:fld id="{27692000-C1C0-4642-A41E-B90B2B2FE916}" type="datetimeFigureOut">
               <a:rPr lang="en-US" smtClean="0"/>
-              <a:t>5/4/2023</a:t>
+              <a:t>5/11/2023</a:t>
             </a:fld>
             <a:endParaRPr lang="en-US"/>
           </a:p>
@@ -3044,7 +3047,7 @@
           <a:p>
             <a:fld id="{27692000-C1C0-4642-A41E-B90B2B2FE916}" type="datetimeFigureOut">
               <a:rPr lang="en-US" smtClean="0"/>
-              <a:t>5/4/2023</a:t>
+              <a:t>5/11/2023</a:t>
             </a:fld>
             <a:endParaRPr lang="en-US"/>
           </a:p>
@@ -3285,7 +3288,7 @@
           <a:p>
             <a:fld id="{27692000-C1C0-4642-A41E-B90B2B2FE916}" type="datetimeFigureOut">
               <a:rPr lang="en-US" smtClean="0"/>
-              <a:t>5/4/2023</a:t>
+              <a:t>5/11/2023</a:t>
             </a:fld>
             <a:endParaRPr lang="en-US"/>
           </a:p>
@@ -17001,257 +17004,10 @@
       </p:grpSpPr>
       <p:sp>
         <p:nvSpPr>
-          <p:cNvPr id="2" name="Title 1">
+          <p:cNvPr id="4" name="Rectangle 3">
             <a:extLst>
               <a:ext uri="{FF2B5EF4-FFF2-40B4-BE49-F238E27FC236}">
-                <a16:creationId xmlns:a16="http://schemas.microsoft.com/office/drawing/2014/main" id="{5C5C9395-D6CE-A1AB-54D7-581E6DB98878}"/>
-              </a:ext>
-            </a:extLst>
-          </p:cNvPr>
-          <p:cNvSpPr>
-            <a:spLocks noGrp="1"/>
-          </p:cNvSpPr>
-          <p:nvPr>
-            <p:ph type="title"/>
-          </p:nvPr>
-        </p:nvSpPr>
-        <p:spPr/>
-        <p:txBody>
-          <a:bodyPr/>
-          <a:lstStyle/>
-          <a:p>
-            <a:r>
-              <a:rPr lang="da-DK" dirty="0"/>
-              <a:t>Task 2</a:t>
-            </a:r>
-            <a:endParaRPr lang="en-US" dirty="0"/>
-          </a:p>
-        </p:txBody>
-      </p:sp>
-      <p:sp>
-        <p:nvSpPr>
-          <p:cNvPr id="3" name="Content Placeholder 2">
-            <a:extLst>
-              <a:ext uri="{FF2B5EF4-FFF2-40B4-BE49-F238E27FC236}">
-                <a16:creationId xmlns:a16="http://schemas.microsoft.com/office/drawing/2014/main" id="{4B6E044F-2C07-C3CD-EB36-BFB7B5E00A74}"/>
-              </a:ext>
-            </a:extLst>
-          </p:cNvPr>
-          <p:cNvSpPr>
-            <a:spLocks noGrp="1"/>
-          </p:cNvSpPr>
-          <p:nvPr>
-            <p:ph idx="1"/>
-          </p:nvPr>
-        </p:nvSpPr>
-        <p:spPr/>
-        <p:txBody>
-          <a:bodyPr/>
-          <a:lstStyle/>
-          <a:p>
-            <a:r>
-              <a:rPr lang="da-DK" dirty="0"/>
-              <a:t>Look at folder </a:t>
-            </a:r>
-            <a:r>
-              <a:rPr lang="da-DK" dirty="0" err="1">
-                <a:solidFill>
-                  <a:schemeClr val="accent1"/>
-                </a:solidFill>
-              </a:rPr>
-              <a:t>code</a:t>
-            </a:r>
-            <a:r>
-              <a:rPr lang="da-DK" dirty="0">
-                <a:solidFill>
-                  <a:schemeClr val="accent1"/>
-                </a:solidFill>
-              </a:rPr>
-              <a:t>\task2</a:t>
-            </a:r>
-          </a:p>
-          <a:p>
-            <a:r>
-              <a:rPr lang="da-DK" dirty="0" err="1"/>
-              <a:t>Create</a:t>
-            </a:r>
-            <a:r>
-              <a:rPr lang="da-DK" dirty="0"/>
-              <a:t> a </a:t>
-            </a:r>
-            <a:r>
-              <a:rPr lang="da-DK" dirty="0" err="1"/>
-              <a:t>console</a:t>
-            </a:r>
-            <a:r>
-              <a:rPr lang="da-DK" dirty="0"/>
-              <a:t> app</a:t>
-            </a:r>
-          </a:p>
-          <a:p>
-            <a:r>
-              <a:rPr lang="da-DK" dirty="0" err="1"/>
-              <a:t>Copy</a:t>
-            </a:r>
-            <a:r>
-              <a:rPr lang="da-DK" dirty="0"/>
-              <a:t>/import all files from the folder </a:t>
-            </a:r>
-            <a:r>
-              <a:rPr lang="da-DK" dirty="0" err="1">
-                <a:solidFill>
-                  <a:schemeClr val="accent1"/>
-                </a:solidFill>
-              </a:rPr>
-              <a:t>code</a:t>
-            </a:r>
-            <a:r>
-              <a:rPr lang="da-DK" dirty="0">
-                <a:solidFill>
-                  <a:schemeClr val="accent1"/>
-                </a:solidFill>
-              </a:rPr>
-              <a:t>\task2</a:t>
-            </a:r>
-          </a:p>
-          <a:p>
-            <a:r>
-              <a:rPr lang="da-DK" dirty="0" err="1"/>
-              <a:t>Solve</a:t>
-            </a:r>
-            <a:r>
-              <a:rPr lang="da-DK" dirty="0"/>
-              <a:t> the problem </a:t>
-            </a:r>
-            <a:r>
-              <a:rPr lang="da-DK" dirty="0" err="1"/>
-              <a:t>described</a:t>
-            </a:r>
-            <a:r>
-              <a:rPr lang="da-DK" dirty="0"/>
-              <a:t> in the </a:t>
-            </a:r>
-            <a:r>
-              <a:rPr lang="da-DK" dirty="0" err="1"/>
-              <a:t>main</a:t>
-            </a:r>
-            <a:r>
-              <a:rPr lang="da-DK" dirty="0"/>
-              <a:t>: </a:t>
-            </a:r>
-            <a:br>
-              <a:rPr lang="da-DK" dirty="0"/>
-            </a:br>
-            <a:r>
-              <a:rPr lang="da-DK" dirty="0"/>
-              <a:t>	</a:t>
-            </a:r>
-            <a:r>
-              <a:rPr lang="da-DK" dirty="0">
-                <a:solidFill>
-                  <a:srgbClr val="FF0000"/>
-                </a:solidFill>
-              </a:rPr>
-              <a:t>look at the </a:t>
-            </a:r>
-            <a:r>
-              <a:rPr lang="da-DK" dirty="0" err="1">
-                <a:solidFill>
-                  <a:srgbClr val="FF0000"/>
-                </a:solidFill>
-              </a:rPr>
-              <a:t>classes</a:t>
-            </a:r>
-            <a:r>
-              <a:rPr lang="da-DK" dirty="0">
-                <a:solidFill>
-                  <a:srgbClr val="FF0000"/>
-                </a:solidFill>
-              </a:rPr>
-              <a:t>, and </a:t>
-            </a:r>
-            <a:r>
-              <a:rPr lang="da-DK" dirty="0" err="1">
-                <a:solidFill>
-                  <a:srgbClr val="FF0000"/>
-                </a:solidFill>
-              </a:rPr>
-              <a:t>use</a:t>
-            </a:r>
-            <a:r>
-              <a:rPr lang="da-DK" dirty="0">
-                <a:solidFill>
-                  <a:srgbClr val="FF0000"/>
-                </a:solidFill>
-              </a:rPr>
-              <a:t> the </a:t>
-            </a:r>
-            <a:r>
-              <a:rPr lang="da-DK" dirty="0" err="1">
-                <a:solidFill>
-                  <a:srgbClr val="FF0000"/>
-                </a:solidFill>
-              </a:rPr>
-              <a:t>Composite</a:t>
-            </a:r>
-            <a:r>
-              <a:rPr lang="da-DK" dirty="0">
-                <a:solidFill>
-                  <a:srgbClr val="FF0000"/>
-                </a:solidFill>
-              </a:rPr>
-              <a:t> design pattern to 	</a:t>
-            </a:r>
-            <a:r>
-              <a:rPr lang="da-DK" dirty="0" err="1">
-                <a:solidFill>
-                  <a:srgbClr val="FF0000"/>
-                </a:solidFill>
-              </a:rPr>
-              <a:t>make</a:t>
-            </a:r>
-            <a:r>
-              <a:rPr lang="da-DK" dirty="0">
-                <a:solidFill>
-                  <a:srgbClr val="FF0000"/>
-                </a:solidFill>
-              </a:rPr>
-              <a:t> the </a:t>
-            </a:r>
-            <a:r>
-              <a:rPr lang="da-DK" dirty="0" err="1">
-                <a:solidFill>
-                  <a:srgbClr val="FF0000"/>
-                </a:solidFill>
-              </a:rPr>
-              <a:t>code</a:t>
-            </a:r>
-            <a:r>
-              <a:rPr lang="da-DK" dirty="0">
-                <a:solidFill>
-                  <a:srgbClr val="FF0000"/>
-                </a:solidFill>
-              </a:rPr>
-              <a:t> more </a:t>
-            </a:r>
-            <a:r>
-              <a:rPr lang="da-DK" dirty="0" err="1">
-                <a:solidFill>
-                  <a:srgbClr val="FF0000"/>
-                </a:solidFill>
-              </a:rPr>
-              <a:t>modular</a:t>
-            </a:r>
-            <a:endParaRPr lang="en-US" dirty="0"/>
-          </a:p>
-        </p:txBody>
-      </p:sp>
-      <p:sp>
-        <p:nvSpPr>
-          <p:cNvPr id="4" name="Oval 3">
-            <a:extLst>
-              <a:ext uri="{FF2B5EF4-FFF2-40B4-BE49-F238E27FC236}">
-                <a16:creationId xmlns:a16="http://schemas.microsoft.com/office/drawing/2014/main" id="{8340E5F9-2DD2-2A2A-C18F-EEE29EDBE8FB}"/>
+                <a16:creationId xmlns:a16="http://schemas.microsoft.com/office/drawing/2014/main" id="{D829D18F-8CF4-5220-8FBA-37B2CA38C4CA}"/>
               </a:ext>
             </a:extLst>
           </p:cNvPr>
@@ -17260,27 +17016,25 @@
         </p:nvSpPr>
         <p:spPr>
           <a:xfrm>
-            <a:off x="10511481" y="5148648"/>
-            <a:ext cx="1235676" cy="1235676"/>
+            <a:off x="2400300" y="561975"/>
+            <a:ext cx="1781175" cy="474622"/>
           </a:xfrm>
-          <a:prstGeom prst="ellipse">
+          <a:prstGeom prst="rect">
             <a:avLst/>
           </a:prstGeom>
         </p:spPr>
         <p:style>
           <a:lnRef idx="2">
-            <a:schemeClr val="accent1">
-              <a:shade val="50000"/>
-            </a:schemeClr>
+            <a:schemeClr val="accent6"/>
           </a:lnRef>
           <a:fillRef idx="1">
-            <a:schemeClr val="accent1"/>
+            <a:schemeClr val="lt1"/>
           </a:fillRef>
           <a:effectRef idx="0">
-            <a:schemeClr val="accent1"/>
+            <a:schemeClr val="accent6"/>
           </a:effectRef>
           <a:fontRef idx="minor">
-            <a:schemeClr val="lt1"/>
+            <a:schemeClr val="dk1"/>
           </a:fontRef>
         </p:style>
         <p:txBody>
@@ -17289,39 +17043,685 @@
           <a:p>
             <a:pPr algn="ctr"/>
             <a:r>
+              <a:rPr lang="da-DK" i="1" dirty="0"/>
+              <a:t>Part</a:t>
+            </a:r>
+            <a:endParaRPr lang="en-US" i="1" dirty="0"/>
+          </a:p>
+        </p:txBody>
+      </p:sp>
+      <p:sp>
+        <p:nvSpPr>
+          <p:cNvPr id="5" name="Rectangle 4">
+            <a:extLst>
+              <a:ext uri="{FF2B5EF4-FFF2-40B4-BE49-F238E27FC236}">
+                <a16:creationId xmlns:a16="http://schemas.microsoft.com/office/drawing/2014/main" id="{B342FD69-492D-672D-7A1B-1DBC8B00FFC4}"/>
+              </a:ext>
+            </a:extLst>
+          </p:cNvPr>
+          <p:cNvSpPr/>
+          <p:nvPr/>
+        </p:nvSpPr>
+        <p:spPr>
+          <a:xfrm>
+            <a:off x="2400299" y="1400175"/>
+            <a:ext cx="1781175" cy="419100"/>
+          </a:xfrm>
+          <a:prstGeom prst="rect">
+            <a:avLst/>
+          </a:prstGeom>
+        </p:spPr>
+        <p:style>
+          <a:lnRef idx="2">
+            <a:schemeClr val="accent6"/>
+          </a:lnRef>
+          <a:fillRef idx="1">
+            <a:schemeClr val="lt1"/>
+          </a:fillRef>
+          <a:effectRef idx="0">
+            <a:schemeClr val="accent6"/>
+          </a:effectRef>
+          <a:fontRef idx="minor">
+            <a:schemeClr val="dk1"/>
+          </a:fontRef>
+        </p:style>
+        <p:txBody>
+          <a:bodyPr rtlCol="0" anchor="ctr"/>
+          <a:lstStyle/>
+          <a:p>
+            <a:pPr algn="ctr"/>
+            <a:r>
+              <a:rPr lang="da-DK" i="1" dirty="0"/>
+              <a:t>print()</a:t>
+            </a:r>
+          </a:p>
+        </p:txBody>
+      </p:sp>
+      <p:sp>
+        <p:nvSpPr>
+          <p:cNvPr id="6" name="Rectangle 5">
+            <a:extLst>
+              <a:ext uri="{FF2B5EF4-FFF2-40B4-BE49-F238E27FC236}">
+                <a16:creationId xmlns:a16="http://schemas.microsoft.com/office/drawing/2014/main" id="{B252F1D1-5E1C-A74C-B083-82610389E1EF}"/>
+              </a:ext>
+            </a:extLst>
+          </p:cNvPr>
+          <p:cNvSpPr/>
+          <p:nvPr/>
+        </p:nvSpPr>
+        <p:spPr>
+          <a:xfrm>
+            <a:off x="1085850" y="2905125"/>
+            <a:ext cx="1781175" cy="838200"/>
+          </a:xfrm>
+          <a:prstGeom prst="rect">
+            <a:avLst/>
+          </a:prstGeom>
+        </p:spPr>
+        <p:style>
+          <a:lnRef idx="2">
+            <a:schemeClr val="accent6"/>
+          </a:lnRef>
+          <a:fillRef idx="1">
+            <a:schemeClr val="lt1"/>
+          </a:fillRef>
+          <a:effectRef idx="0">
+            <a:schemeClr val="accent6"/>
+          </a:effectRef>
+          <a:fontRef idx="minor">
+            <a:schemeClr val="dk1"/>
+          </a:fontRef>
+        </p:style>
+        <p:txBody>
+          <a:bodyPr rtlCol="0" anchor="ctr"/>
+          <a:lstStyle/>
+          <a:p>
+            <a:pPr algn="ctr"/>
+            <a:r>
               <a:rPr lang="da-DK" dirty="0"/>
-              <a:t>15</a:t>
+              <a:t>Motherboard</a:t>
+            </a:r>
+            <a:endParaRPr lang="en-US" dirty="0"/>
+          </a:p>
+        </p:txBody>
+      </p:sp>
+      <p:sp>
+        <p:nvSpPr>
+          <p:cNvPr id="7" name="Rectangle 6">
+            <a:extLst>
+              <a:ext uri="{FF2B5EF4-FFF2-40B4-BE49-F238E27FC236}">
+                <a16:creationId xmlns:a16="http://schemas.microsoft.com/office/drawing/2014/main" id="{FF7B5AB2-D177-1466-72E5-D25DC45073E6}"/>
+              </a:ext>
+            </a:extLst>
+          </p:cNvPr>
+          <p:cNvSpPr/>
+          <p:nvPr/>
+        </p:nvSpPr>
+        <p:spPr>
+          <a:xfrm>
+            <a:off x="1085849" y="3743325"/>
+            <a:ext cx="1781175" cy="419100"/>
+          </a:xfrm>
+          <a:prstGeom prst="rect">
+            <a:avLst/>
+          </a:prstGeom>
+        </p:spPr>
+        <p:style>
+          <a:lnRef idx="2">
+            <a:schemeClr val="accent6"/>
+          </a:lnRef>
+          <a:fillRef idx="1">
+            <a:schemeClr val="lt1"/>
+          </a:fillRef>
+          <a:effectRef idx="0">
+            <a:schemeClr val="accent6"/>
+          </a:effectRef>
+          <a:fontRef idx="minor">
+            <a:schemeClr val="dk1"/>
+          </a:fontRef>
+        </p:style>
+        <p:txBody>
+          <a:bodyPr rtlCol="0" anchor="ctr"/>
+          <a:lstStyle/>
+          <a:p>
+            <a:pPr algn="ctr"/>
+            <a:r>
+              <a:rPr lang="da-DK" dirty="0"/>
+              <a:t>print()</a:t>
+            </a:r>
+          </a:p>
+        </p:txBody>
+      </p:sp>
+      <p:sp>
+        <p:nvSpPr>
+          <p:cNvPr id="10" name="Rectangle 9">
+            <a:extLst>
+              <a:ext uri="{FF2B5EF4-FFF2-40B4-BE49-F238E27FC236}">
+                <a16:creationId xmlns:a16="http://schemas.microsoft.com/office/drawing/2014/main" id="{818A1039-B88F-C234-CB76-FAA0B1C76745}"/>
+              </a:ext>
+            </a:extLst>
+          </p:cNvPr>
+          <p:cNvSpPr/>
+          <p:nvPr/>
+        </p:nvSpPr>
+        <p:spPr>
+          <a:xfrm>
+            <a:off x="3076575" y="2905125"/>
+            <a:ext cx="1781175" cy="838200"/>
+          </a:xfrm>
+          <a:prstGeom prst="rect">
+            <a:avLst/>
+          </a:prstGeom>
+        </p:spPr>
+        <p:style>
+          <a:lnRef idx="2">
+            <a:schemeClr val="accent6"/>
+          </a:lnRef>
+          <a:fillRef idx="1">
+            <a:schemeClr val="lt1"/>
+          </a:fillRef>
+          <a:effectRef idx="0">
+            <a:schemeClr val="accent6"/>
+          </a:effectRef>
+          <a:fontRef idx="minor">
+            <a:schemeClr val="dk1"/>
+          </a:fontRef>
+        </p:style>
+        <p:txBody>
+          <a:bodyPr rtlCol="0" anchor="ctr"/>
+          <a:lstStyle/>
+          <a:p>
+            <a:pPr algn="ctr"/>
+            <a:r>
+              <a:rPr lang="da-DK" dirty="0" err="1"/>
+              <a:t>DVDPlayer</a:t>
+            </a:r>
+            <a:endParaRPr lang="en-US" dirty="0"/>
+          </a:p>
+        </p:txBody>
+      </p:sp>
+      <p:sp>
+        <p:nvSpPr>
+          <p:cNvPr id="11" name="Rectangle 10">
+            <a:extLst>
+              <a:ext uri="{FF2B5EF4-FFF2-40B4-BE49-F238E27FC236}">
+                <a16:creationId xmlns:a16="http://schemas.microsoft.com/office/drawing/2014/main" id="{E4741B71-D989-590E-A6C5-256AA8E803DB}"/>
+              </a:ext>
+            </a:extLst>
+          </p:cNvPr>
+          <p:cNvSpPr/>
+          <p:nvPr/>
+        </p:nvSpPr>
+        <p:spPr>
+          <a:xfrm>
+            <a:off x="3076574" y="3743325"/>
+            <a:ext cx="1781175" cy="419100"/>
+          </a:xfrm>
+          <a:prstGeom prst="rect">
+            <a:avLst/>
+          </a:prstGeom>
+        </p:spPr>
+        <p:style>
+          <a:lnRef idx="2">
+            <a:schemeClr val="accent6"/>
+          </a:lnRef>
+          <a:fillRef idx="1">
+            <a:schemeClr val="lt1"/>
+          </a:fillRef>
+          <a:effectRef idx="0">
+            <a:schemeClr val="accent6"/>
+          </a:effectRef>
+          <a:fontRef idx="minor">
+            <a:schemeClr val="dk1"/>
+          </a:fontRef>
+        </p:style>
+        <p:txBody>
+          <a:bodyPr rtlCol="0" anchor="ctr"/>
+          <a:lstStyle/>
+          <a:p>
+            <a:pPr algn="ctr"/>
+            <a:r>
+              <a:rPr lang="da-DK" dirty="0"/>
+              <a:t>print()</a:t>
+            </a:r>
+          </a:p>
+        </p:txBody>
+      </p:sp>
+      <p:sp>
+        <p:nvSpPr>
+          <p:cNvPr id="12" name="Rectangle 11">
+            <a:extLst>
+              <a:ext uri="{FF2B5EF4-FFF2-40B4-BE49-F238E27FC236}">
+                <a16:creationId xmlns:a16="http://schemas.microsoft.com/office/drawing/2014/main" id="{709B4F7E-C8C4-89DD-EC89-32988E06F9FA}"/>
+              </a:ext>
+            </a:extLst>
+          </p:cNvPr>
+          <p:cNvSpPr/>
+          <p:nvPr/>
+        </p:nvSpPr>
+        <p:spPr>
+          <a:xfrm>
+            <a:off x="5457825" y="2905125"/>
+            <a:ext cx="1781175" cy="838200"/>
+          </a:xfrm>
+          <a:prstGeom prst="rect">
+            <a:avLst/>
+          </a:prstGeom>
+        </p:spPr>
+        <p:style>
+          <a:lnRef idx="2">
+            <a:schemeClr val="accent6"/>
+          </a:lnRef>
+          <a:fillRef idx="1">
+            <a:schemeClr val="lt1"/>
+          </a:fillRef>
+          <a:effectRef idx="0">
+            <a:schemeClr val="accent6"/>
+          </a:effectRef>
+          <a:fontRef idx="minor">
+            <a:schemeClr val="dk1"/>
+          </a:fontRef>
+        </p:style>
+        <p:txBody>
+          <a:bodyPr rtlCol="0" anchor="ctr"/>
+          <a:lstStyle/>
+          <a:p>
+            <a:pPr algn="ctr"/>
+            <a:r>
+              <a:rPr lang="da-DK" dirty="0"/>
+              <a:t>Machine</a:t>
+            </a:r>
+            <a:endParaRPr lang="en-US" dirty="0"/>
+          </a:p>
+        </p:txBody>
+      </p:sp>
+      <p:sp>
+        <p:nvSpPr>
+          <p:cNvPr id="13" name="Rectangle 12">
+            <a:extLst>
+              <a:ext uri="{FF2B5EF4-FFF2-40B4-BE49-F238E27FC236}">
+                <a16:creationId xmlns:a16="http://schemas.microsoft.com/office/drawing/2014/main" id="{E3D0795C-A46E-0CB4-4744-38E66C227E07}"/>
+              </a:ext>
+            </a:extLst>
+          </p:cNvPr>
+          <p:cNvSpPr/>
+          <p:nvPr/>
+        </p:nvSpPr>
+        <p:spPr>
+          <a:xfrm>
+            <a:off x="5457824" y="3743325"/>
+            <a:ext cx="1781175" cy="1701886"/>
+          </a:xfrm>
+          <a:prstGeom prst="rect">
+            <a:avLst/>
+          </a:prstGeom>
+        </p:spPr>
+        <p:style>
+          <a:lnRef idx="2">
+            <a:schemeClr val="accent6"/>
+          </a:lnRef>
+          <a:fillRef idx="1">
+            <a:schemeClr val="lt1"/>
+          </a:fillRef>
+          <a:effectRef idx="0">
+            <a:schemeClr val="accent6"/>
+          </a:effectRef>
+          <a:fontRef idx="minor">
+            <a:schemeClr val="dk1"/>
+          </a:fontRef>
+        </p:style>
+        <p:txBody>
+          <a:bodyPr rtlCol="0" anchor="ctr"/>
+          <a:lstStyle/>
+          <a:p>
+            <a:pPr algn="ctr"/>
+            <a:r>
+              <a:rPr lang="da-DK" dirty="0"/>
+              <a:t>print()</a:t>
             </a:r>
           </a:p>
           <a:p>
             <a:pPr algn="ctr"/>
-            <a:r>
-              <a:rPr lang="da-DK" dirty="0"/>
-              <a:t>Min</a:t>
-            </a:r>
+            <a:endParaRPr lang="da-DK" dirty="0"/>
           </a:p>
           <a:p>
             <a:pPr algn="ctr"/>
             <a:r>
-              <a:rPr lang="da-DK" sz="1200" dirty="0"/>
+              <a:rPr lang="da-DK" dirty="0" err="1"/>
+              <a:t>Add</a:t>
+            </a:r>
+            <a:r>
+              <a:rPr lang="da-DK" dirty="0"/>
+              <a:t>(…)</a:t>
+            </a:r>
+          </a:p>
+          <a:p>
+            <a:pPr algn="ctr"/>
+            <a:r>
+              <a:rPr lang="da-DK" dirty="0" err="1"/>
+              <a:t>Remove</a:t>
+            </a:r>
+            <a:r>
+              <a:rPr lang="da-DK" dirty="0"/>
+              <a:t>(…)</a:t>
+            </a:r>
+          </a:p>
+          <a:p>
+            <a:pPr algn="ctr"/>
+            <a:r>
+              <a:rPr lang="da-DK" dirty="0" err="1"/>
+              <a:t>ChildAt</a:t>
+            </a:r>
+            <a:r>
+              <a:rPr lang="da-DK" dirty="0"/>
               <a:t>(</a:t>
             </a:r>
             <a:r>
-              <a:rPr lang="da-DK" sz="1200" dirty="0" err="1"/>
-              <a:t>together</a:t>
-            </a:r>
-            <a:r>
-              <a:rPr lang="da-DK" sz="1200" dirty="0"/>
+              <a:rPr lang="da-DK" dirty="0" err="1"/>
+              <a:t>index</a:t>
+            </a:r>
+            <a:r>
+              <a:rPr lang="da-DK" dirty="0"/>
               <a:t>)</a:t>
             </a:r>
+          </a:p>
+        </p:txBody>
+      </p:sp>
+      <p:cxnSp>
+        <p:nvCxnSpPr>
+          <p:cNvPr id="15" name="Connector: Elbow 14">
+            <a:extLst>
+              <a:ext uri="{FF2B5EF4-FFF2-40B4-BE49-F238E27FC236}">
+                <a16:creationId xmlns:a16="http://schemas.microsoft.com/office/drawing/2014/main" id="{2F74ABEE-7B20-63C5-3116-7CA96534BE50}"/>
+              </a:ext>
+            </a:extLst>
+          </p:cNvPr>
+          <p:cNvCxnSpPr>
+            <a:cxnSpLocks/>
+            <a:stCxn id="12" idx="3"/>
+            <a:endCxn id="4" idx="3"/>
+          </p:cNvCxnSpPr>
+          <p:nvPr/>
+        </p:nvCxnSpPr>
+        <p:spPr>
+          <a:xfrm flipH="1" flipV="1">
+            <a:off x="4181475" y="799286"/>
+            <a:ext cx="3057525" cy="2524939"/>
+          </a:xfrm>
+          <a:prstGeom prst="bentConnector3">
+            <a:avLst>
+              <a:gd name="adj1" fmla="val -7477"/>
+            </a:avLst>
+          </a:prstGeom>
+          <a:ln>
+            <a:tailEnd type="triangle"/>
+          </a:ln>
+        </p:spPr>
+        <p:style>
+          <a:lnRef idx="1">
+            <a:schemeClr val="accent1"/>
+          </a:lnRef>
+          <a:fillRef idx="0">
+            <a:schemeClr val="accent1"/>
+          </a:fillRef>
+          <a:effectRef idx="0">
+            <a:schemeClr val="accent1"/>
+          </a:effectRef>
+          <a:fontRef idx="minor">
+            <a:schemeClr val="tx1"/>
+          </a:fontRef>
+        </p:style>
+      </p:cxnSp>
+      <p:sp>
+        <p:nvSpPr>
+          <p:cNvPr id="16" name="TextBox 15">
+            <a:extLst>
+              <a:ext uri="{FF2B5EF4-FFF2-40B4-BE49-F238E27FC236}">
+                <a16:creationId xmlns:a16="http://schemas.microsoft.com/office/drawing/2014/main" id="{98CE07F1-3193-964A-0640-8738B10867C2}"/>
+              </a:ext>
+            </a:extLst>
+          </p:cNvPr>
+          <p:cNvSpPr txBox="1"/>
+          <p:nvPr/>
+        </p:nvSpPr>
+        <p:spPr>
+          <a:xfrm>
+            <a:off x="7603524" y="3324225"/>
+            <a:ext cx="301686" cy="369332"/>
+          </a:xfrm>
+          <a:prstGeom prst="rect">
+            <a:avLst/>
+          </a:prstGeom>
+          <a:noFill/>
+        </p:spPr>
+        <p:txBody>
+          <a:bodyPr wrap="none" rtlCol="0">
+            <a:spAutoFit/>
+          </a:bodyPr>
+          <a:lstStyle/>
+          <a:p>
+            <a:r>
+              <a:rPr lang="da-DK" dirty="0"/>
+              <a:t>1</a:t>
+            </a:r>
             <a:endParaRPr lang="en-US" dirty="0"/>
+          </a:p>
+        </p:txBody>
+      </p:sp>
+      <p:sp>
+        <p:nvSpPr>
+          <p:cNvPr id="17" name="TextBox 16">
+            <a:extLst>
+              <a:ext uri="{FF2B5EF4-FFF2-40B4-BE49-F238E27FC236}">
+                <a16:creationId xmlns:a16="http://schemas.microsoft.com/office/drawing/2014/main" id="{4FA1B6A0-7A31-4D81-9860-9E81DB06B893}"/>
+              </a:ext>
+            </a:extLst>
+          </p:cNvPr>
+          <p:cNvSpPr txBox="1"/>
+          <p:nvPr/>
+        </p:nvSpPr>
+        <p:spPr>
+          <a:xfrm>
+            <a:off x="4258962" y="667265"/>
+            <a:ext cx="300082" cy="369332"/>
+          </a:xfrm>
+          <a:prstGeom prst="rect">
+            <a:avLst/>
+          </a:prstGeom>
+          <a:noFill/>
+        </p:spPr>
+        <p:txBody>
+          <a:bodyPr wrap="none" rtlCol="0">
+            <a:spAutoFit/>
+          </a:bodyPr>
+          <a:lstStyle/>
+          <a:p>
+            <a:r>
+              <a:rPr lang="da-DK" dirty="0"/>
+              <a:t>*</a:t>
+            </a:r>
+            <a:endParaRPr lang="en-US" dirty="0"/>
+          </a:p>
+        </p:txBody>
+      </p:sp>
+      <p:cxnSp>
+        <p:nvCxnSpPr>
+          <p:cNvPr id="19" name="Connector: Elbow 18">
+            <a:extLst>
+              <a:ext uri="{FF2B5EF4-FFF2-40B4-BE49-F238E27FC236}">
+                <a16:creationId xmlns:a16="http://schemas.microsoft.com/office/drawing/2014/main" id="{4EF92E57-CC20-5F16-ED16-E51B3C434823}"/>
+              </a:ext>
+            </a:extLst>
+          </p:cNvPr>
+          <p:cNvCxnSpPr>
+            <a:stCxn id="6" idx="0"/>
+            <a:endCxn id="5" idx="2"/>
+          </p:cNvCxnSpPr>
+          <p:nvPr/>
+        </p:nvCxnSpPr>
+        <p:spPr>
+          <a:xfrm rot="5400000" flipH="1" flipV="1">
+            <a:off x="2090737" y="1704976"/>
+            <a:ext cx="1085850" cy="1314449"/>
+          </a:xfrm>
+          <a:prstGeom prst="bentConnector3">
+            <a:avLst/>
+          </a:prstGeom>
+          <a:ln>
+            <a:tailEnd type="triangle"/>
+          </a:ln>
+        </p:spPr>
+        <p:style>
+          <a:lnRef idx="1">
+            <a:schemeClr val="dk1"/>
+          </a:lnRef>
+          <a:fillRef idx="0">
+            <a:schemeClr val="dk1"/>
+          </a:fillRef>
+          <a:effectRef idx="0">
+            <a:schemeClr val="dk1"/>
+          </a:effectRef>
+          <a:fontRef idx="minor">
+            <a:schemeClr val="tx1"/>
+          </a:fontRef>
+        </p:style>
+      </p:cxnSp>
+      <p:cxnSp>
+        <p:nvCxnSpPr>
+          <p:cNvPr id="21" name="Connector: Elbow 20">
+            <a:extLst>
+              <a:ext uri="{FF2B5EF4-FFF2-40B4-BE49-F238E27FC236}">
+                <a16:creationId xmlns:a16="http://schemas.microsoft.com/office/drawing/2014/main" id="{F4BBC3A9-D472-B094-B0D1-415DFD6679F2}"/>
+              </a:ext>
+            </a:extLst>
+          </p:cNvPr>
+          <p:cNvCxnSpPr>
+            <a:stCxn id="10" idx="0"/>
+            <a:endCxn id="5" idx="2"/>
+          </p:cNvCxnSpPr>
+          <p:nvPr/>
+        </p:nvCxnSpPr>
+        <p:spPr>
+          <a:xfrm rot="16200000" flipV="1">
+            <a:off x="3086100" y="2024062"/>
+            <a:ext cx="1085850" cy="676276"/>
+          </a:xfrm>
+          <a:prstGeom prst="bentConnector3">
+            <a:avLst/>
+          </a:prstGeom>
+          <a:ln>
+            <a:tailEnd type="triangle"/>
+          </a:ln>
+        </p:spPr>
+        <p:style>
+          <a:lnRef idx="1">
+            <a:schemeClr val="accent1"/>
+          </a:lnRef>
+          <a:fillRef idx="0">
+            <a:schemeClr val="accent1"/>
+          </a:fillRef>
+          <a:effectRef idx="0">
+            <a:schemeClr val="accent1"/>
+          </a:effectRef>
+          <a:fontRef idx="minor">
+            <a:schemeClr val="tx1"/>
+          </a:fontRef>
+        </p:style>
+      </p:cxnSp>
+      <p:cxnSp>
+        <p:nvCxnSpPr>
+          <p:cNvPr id="23" name="Connector: Elbow 22">
+            <a:extLst>
+              <a:ext uri="{FF2B5EF4-FFF2-40B4-BE49-F238E27FC236}">
+                <a16:creationId xmlns:a16="http://schemas.microsoft.com/office/drawing/2014/main" id="{88E94622-C681-CEEE-623E-C2D8A3933A95}"/>
+              </a:ext>
+            </a:extLst>
+          </p:cNvPr>
+          <p:cNvCxnSpPr>
+            <a:stCxn id="12" idx="0"/>
+            <a:endCxn id="5" idx="2"/>
+          </p:cNvCxnSpPr>
+          <p:nvPr/>
+        </p:nvCxnSpPr>
+        <p:spPr>
+          <a:xfrm rot="16200000" flipV="1">
+            <a:off x="4276725" y="833437"/>
+            <a:ext cx="1085850" cy="3057526"/>
+          </a:xfrm>
+          <a:prstGeom prst="bentConnector3">
+            <a:avLst/>
+          </a:prstGeom>
+          <a:ln>
+            <a:tailEnd type="triangle"/>
+          </a:ln>
+        </p:spPr>
+        <p:style>
+          <a:lnRef idx="1">
+            <a:schemeClr val="accent1"/>
+          </a:lnRef>
+          <a:fillRef idx="0">
+            <a:schemeClr val="accent1"/>
+          </a:fillRef>
+          <a:effectRef idx="0">
+            <a:schemeClr val="accent1"/>
+          </a:effectRef>
+          <a:fontRef idx="minor">
+            <a:schemeClr val="tx1"/>
+          </a:fontRef>
+        </p:style>
+      </p:cxnSp>
+      <p:sp>
+        <p:nvSpPr>
+          <p:cNvPr id="25" name="Rectangle 24">
+            <a:extLst>
+              <a:ext uri="{FF2B5EF4-FFF2-40B4-BE49-F238E27FC236}">
+                <a16:creationId xmlns:a16="http://schemas.microsoft.com/office/drawing/2014/main" id="{82FC4B5C-B382-00E0-E589-394F9D8B9FDA}"/>
+              </a:ext>
+            </a:extLst>
+          </p:cNvPr>
+          <p:cNvSpPr/>
+          <p:nvPr/>
+        </p:nvSpPr>
+        <p:spPr>
+          <a:xfrm>
+            <a:off x="2400298" y="1032221"/>
+            <a:ext cx="1781175" cy="419100"/>
+          </a:xfrm>
+          <a:prstGeom prst="rect">
+            <a:avLst/>
+          </a:prstGeom>
+        </p:spPr>
+        <p:style>
+          <a:lnRef idx="2">
+            <a:schemeClr val="accent6"/>
+          </a:lnRef>
+          <a:fillRef idx="1">
+            <a:schemeClr val="lt1"/>
+          </a:fillRef>
+          <a:effectRef idx="0">
+            <a:schemeClr val="accent6"/>
+          </a:effectRef>
+          <a:fontRef idx="minor">
+            <a:schemeClr val="dk1"/>
+          </a:fontRef>
+        </p:style>
+        <p:txBody>
+          <a:bodyPr rtlCol="0" anchor="ctr"/>
+          <a:lstStyle/>
+          <a:p>
+            <a:pPr algn="ctr"/>
+            <a:r>
+              <a:rPr lang="da-DK" dirty="0" err="1"/>
+              <a:t>name</a:t>
+            </a:r>
+            <a:endParaRPr lang="da-DK" dirty="0"/>
           </a:p>
         </p:txBody>
       </p:sp>
     </p:spTree>
     <p:extLst>
       <p:ext uri="{BB962C8B-B14F-4D97-AF65-F5344CB8AC3E}">
-        <p14:creationId xmlns:p14="http://schemas.microsoft.com/office/powerpoint/2010/main" val="2574783996"/>
+        <p14:creationId xmlns:p14="http://schemas.microsoft.com/office/powerpoint/2010/main" val="118615525"/>
       </p:ext>
     </p:extLst>
   </p:cSld>
@@ -17458,6 +17858,355 @@
 <file path=ppt/slides/slide20.xml><?xml version="1.0" encoding="utf-8"?>
 <p:sld xmlns:a="http://schemas.openxmlformats.org/drawingml/2006/main" xmlns:r="http://schemas.openxmlformats.org/officeDocument/2006/relationships" xmlns:p="http://schemas.openxmlformats.org/presentationml/2006/main">
   <p:cSld>
+    <p:spTree>
+      <p:nvGrpSpPr>
+        <p:cNvPr id="1" name=""/>
+        <p:cNvGrpSpPr/>
+        <p:nvPr/>
+      </p:nvGrpSpPr>
+      <p:grpSpPr>
+        <a:xfrm>
+          <a:off x="0" y="0"/>
+          <a:ext cx="0" cy="0"/>
+          <a:chOff x="0" y="0"/>
+          <a:chExt cx="0" cy="0"/>
+        </a:xfrm>
+      </p:grpSpPr>
+      <p:sp>
+        <p:nvSpPr>
+          <p:cNvPr id="2" name="Title 1">
+            <a:extLst>
+              <a:ext uri="{FF2B5EF4-FFF2-40B4-BE49-F238E27FC236}">
+                <a16:creationId xmlns:a16="http://schemas.microsoft.com/office/drawing/2014/main" id="{5C5C9395-D6CE-A1AB-54D7-581E6DB98878}"/>
+              </a:ext>
+            </a:extLst>
+          </p:cNvPr>
+          <p:cNvSpPr>
+            <a:spLocks noGrp="1"/>
+          </p:cNvSpPr>
+          <p:nvPr>
+            <p:ph type="title"/>
+          </p:nvPr>
+        </p:nvSpPr>
+        <p:spPr/>
+        <p:txBody>
+          <a:bodyPr/>
+          <a:lstStyle/>
+          <a:p>
+            <a:r>
+              <a:rPr lang="da-DK" dirty="0"/>
+              <a:t>Task 2</a:t>
+            </a:r>
+            <a:endParaRPr lang="en-US" dirty="0"/>
+          </a:p>
+        </p:txBody>
+      </p:sp>
+      <p:sp>
+        <p:nvSpPr>
+          <p:cNvPr id="3" name="Content Placeholder 2">
+            <a:extLst>
+              <a:ext uri="{FF2B5EF4-FFF2-40B4-BE49-F238E27FC236}">
+                <a16:creationId xmlns:a16="http://schemas.microsoft.com/office/drawing/2014/main" id="{4B6E044F-2C07-C3CD-EB36-BFB7B5E00A74}"/>
+              </a:ext>
+            </a:extLst>
+          </p:cNvPr>
+          <p:cNvSpPr>
+            <a:spLocks noGrp="1"/>
+          </p:cNvSpPr>
+          <p:nvPr>
+            <p:ph idx="1"/>
+          </p:nvPr>
+        </p:nvSpPr>
+        <p:spPr/>
+        <p:txBody>
+          <a:bodyPr/>
+          <a:lstStyle/>
+          <a:p>
+            <a:r>
+              <a:rPr lang="da-DK" dirty="0"/>
+              <a:t>Look at folder </a:t>
+            </a:r>
+            <a:r>
+              <a:rPr lang="da-DK" dirty="0" err="1">
+                <a:solidFill>
+                  <a:schemeClr val="accent1"/>
+                </a:solidFill>
+              </a:rPr>
+              <a:t>code</a:t>
+            </a:r>
+            <a:r>
+              <a:rPr lang="da-DK" dirty="0">
+                <a:solidFill>
+                  <a:schemeClr val="accent1"/>
+                </a:solidFill>
+              </a:rPr>
+              <a:t>\task2</a:t>
+            </a:r>
+          </a:p>
+          <a:p>
+            <a:r>
+              <a:rPr lang="da-DK" dirty="0" err="1"/>
+              <a:t>Create</a:t>
+            </a:r>
+            <a:r>
+              <a:rPr lang="da-DK" dirty="0"/>
+              <a:t> a </a:t>
+            </a:r>
+            <a:r>
+              <a:rPr lang="da-DK" dirty="0" err="1"/>
+              <a:t>console</a:t>
+            </a:r>
+            <a:r>
+              <a:rPr lang="da-DK" dirty="0"/>
+              <a:t> app</a:t>
+            </a:r>
+          </a:p>
+          <a:p>
+            <a:r>
+              <a:rPr lang="da-DK" dirty="0" err="1"/>
+              <a:t>Copy</a:t>
+            </a:r>
+            <a:r>
+              <a:rPr lang="da-DK" dirty="0"/>
+              <a:t>/import all files from the folder </a:t>
+            </a:r>
+            <a:r>
+              <a:rPr lang="da-DK" dirty="0" err="1">
+                <a:solidFill>
+                  <a:schemeClr val="accent1"/>
+                </a:solidFill>
+              </a:rPr>
+              <a:t>code</a:t>
+            </a:r>
+            <a:r>
+              <a:rPr lang="da-DK" dirty="0">
+                <a:solidFill>
+                  <a:schemeClr val="accent1"/>
+                </a:solidFill>
+              </a:rPr>
+              <a:t>\task2</a:t>
+            </a:r>
+          </a:p>
+          <a:p>
+            <a:r>
+              <a:rPr lang="da-DK" dirty="0" err="1"/>
+              <a:t>Solve</a:t>
+            </a:r>
+            <a:r>
+              <a:rPr lang="da-DK" dirty="0"/>
+              <a:t> the problem </a:t>
+            </a:r>
+            <a:r>
+              <a:rPr lang="da-DK" dirty="0" err="1"/>
+              <a:t>described</a:t>
+            </a:r>
+            <a:r>
+              <a:rPr lang="da-DK" dirty="0"/>
+              <a:t> in the </a:t>
+            </a:r>
+            <a:r>
+              <a:rPr lang="da-DK" dirty="0" err="1"/>
+              <a:t>main</a:t>
+            </a:r>
+            <a:r>
+              <a:rPr lang="da-DK" dirty="0"/>
+              <a:t>: </a:t>
+            </a:r>
+            <a:br>
+              <a:rPr lang="da-DK" dirty="0"/>
+            </a:br>
+            <a:r>
+              <a:rPr lang="da-DK" dirty="0"/>
+              <a:t>	</a:t>
+            </a:r>
+            <a:r>
+              <a:rPr lang="da-DK" dirty="0">
+                <a:solidFill>
+                  <a:srgbClr val="FF0000"/>
+                </a:solidFill>
+              </a:rPr>
+              <a:t>look at the </a:t>
+            </a:r>
+            <a:r>
+              <a:rPr lang="da-DK" dirty="0" err="1">
+                <a:solidFill>
+                  <a:srgbClr val="FF0000"/>
+                </a:solidFill>
+              </a:rPr>
+              <a:t>classes</a:t>
+            </a:r>
+            <a:r>
+              <a:rPr lang="da-DK" dirty="0">
+                <a:solidFill>
+                  <a:srgbClr val="FF0000"/>
+                </a:solidFill>
+              </a:rPr>
+              <a:t>, and </a:t>
+            </a:r>
+            <a:r>
+              <a:rPr lang="da-DK" dirty="0" err="1">
+                <a:solidFill>
+                  <a:srgbClr val="FF0000"/>
+                </a:solidFill>
+              </a:rPr>
+              <a:t>use</a:t>
+            </a:r>
+            <a:r>
+              <a:rPr lang="da-DK" dirty="0">
+                <a:solidFill>
+                  <a:srgbClr val="FF0000"/>
+                </a:solidFill>
+              </a:rPr>
+              <a:t> the </a:t>
+            </a:r>
+            <a:r>
+              <a:rPr lang="da-DK" dirty="0" err="1">
+                <a:solidFill>
+                  <a:srgbClr val="FF0000"/>
+                </a:solidFill>
+              </a:rPr>
+              <a:t>Composite</a:t>
+            </a:r>
+            <a:r>
+              <a:rPr lang="da-DK" dirty="0">
+                <a:solidFill>
+                  <a:srgbClr val="FF0000"/>
+                </a:solidFill>
+              </a:rPr>
+              <a:t> design pattern to 	</a:t>
+            </a:r>
+            <a:r>
+              <a:rPr lang="da-DK" dirty="0" err="1">
+                <a:solidFill>
+                  <a:srgbClr val="FF0000"/>
+                </a:solidFill>
+              </a:rPr>
+              <a:t>make</a:t>
+            </a:r>
+            <a:r>
+              <a:rPr lang="da-DK" dirty="0">
+                <a:solidFill>
+                  <a:srgbClr val="FF0000"/>
+                </a:solidFill>
+              </a:rPr>
+              <a:t> the </a:t>
+            </a:r>
+            <a:r>
+              <a:rPr lang="da-DK" dirty="0" err="1">
+                <a:solidFill>
+                  <a:srgbClr val="FF0000"/>
+                </a:solidFill>
+              </a:rPr>
+              <a:t>code</a:t>
+            </a:r>
+            <a:r>
+              <a:rPr lang="da-DK" dirty="0">
+                <a:solidFill>
+                  <a:srgbClr val="FF0000"/>
+                </a:solidFill>
+              </a:rPr>
+              <a:t> more </a:t>
+            </a:r>
+            <a:r>
+              <a:rPr lang="da-DK" dirty="0" err="1">
+                <a:solidFill>
+                  <a:srgbClr val="FF0000"/>
+                </a:solidFill>
+              </a:rPr>
+              <a:t>modular</a:t>
+            </a:r>
+            <a:endParaRPr lang="en-US" dirty="0"/>
+          </a:p>
+        </p:txBody>
+      </p:sp>
+      <p:sp>
+        <p:nvSpPr>
+          <p:cNvPr id="4" name="Oval 3">
+            <a:extLst>
+              <a:ext uri="{FF2B5EF4-FFF2-40B4-BE49-F238E27FC236}">
+                <a16:creationId xmlns:a16="http://schemas.microsoft.com/office/drawing/2014/main" id="{8340E5F9-2DD2-2A2A-C18F-EEE29EDBE8FB}"/>
+              </a:ext>
+            </a:extLst>
+          </p:cNvPr>
+          <p:cNvSpPr/>
+          <p:nvPr/>
+        </p:nvSpPr>
+        <p:spPr>
+          <a:xfrm>
+            <a:off x="10511481" y="5148648"/>
+            <a:ext cx="1235676" cy="1235676"/>
+          </a:xfrm>
+          <a:prstGeom prst="ellipse">
+            <a:avLst/>
+          </a:prstGeom>
+        </p:spPr>
+        <p:style>
+          <a:lnRef idx="2">
+            <a:schemeClr val="accent1">
+              <a:shade val="50000"/>
+            </a:schemeClr>
+          </a:lnRef>
+          <a:fillRef idx="1">
+            <a:schemeClr val="accent1"/>
+          </a:fillRef>
+          <a:effectRef idx="0">
+            <a:schemeClr val="accent1"/>
+          </a:effectRef>
+          <a:fontRef idx="minor">
+            <a:schemeClr val="lt1"/>
+          </a:fontRef>
+        </p:style>
+        <p:txBody>
+          <a:bodyPr rtlCol="0" anchor="ctr"/>
+          <a:lstStyle/>
+          <a:p>
+            <a:pPr algn="ctr"/>
+            <a:r>
+              <a:rPr lang="da-DK" dirty="0"/>
+              <a:t>15</a:t>
+            </a:r>
+          </a:p>
+          <a:p>
+            <a:pPr algn="ctr"/>
+            <a:r>
+              <a:rPr lang="da-DK" dirty="0"/>
+              <a:t>Min</a:t>
+            </a:r>
+          </a:p>
+          <a:p>
+            <a:pPr algn="ctr"/>
+            <a:r>
+              <a:rPr lang="da-DK" sz="1200" dirty="0"/>
+              <a:t>(</a:t>
+            </a:r>
+            <a:r>
+              <a:rPr lang="da-DK" sz="1200" dirty="0" err="1"/>
+              <a:t>together</a:t>
+            </a:r>
+            <a:r>
+              <a:rPr lang="da-DK" sz="1200" dirty="0"/>
+              <a:t>)</a:t>
+            </a:r>
+            <a:endParaRPr lang="en-US" dirty="0"/>
+          </a:p>
+        </p:txBody>
+      </p:sp>
+    </p:spTree>
+    <p:extLst>
+      <p:ext uri="{BB962C8B-B14F-4D97-AF65-F5344CB8AC3E}">
+        <p14:creationId xmlns:p14="http://schemas.microsoft.com/office/powerpoint/2010/main" val="2574783996"/>
+      </p:ext>
+    </p:extLst>
+  </p:cSld>
+  <p:clrMapOvr>
+    <a:masterClrMapping/>
+  </p:clrMapOvr>
+</p:sld>
+</file>
+
+<file path=ppt/slides/slide21.xml><?xml version="1.0" encoding="utf-8"?>
+<p:sld xmlns:a="http://schemas.openxmlformats.org/drawingml/2006/main" xmlns:r="http://schemas.openxmlformats.org/officeDocument/2006/relationships" xmlns:p="http://schemas.openxmlformats.org/presentationml/2006/main">
+  <p:cSld>
     <p:bg>
       <p:bgPr>
         <a:solidFill>
@@ -17575,7 +18324,7 @@
 </p:sld>
 </file>
 
-<file path=ppt/slides/slide21.xml><?xml version="1.0" encoding="utf-8"?>
+<file path=ppt/slides/slide22.xml><?xml version="1.0" encoding="utf-8"?>
 <p:sld xmlns:a="http://schemas.openxmlformats.org/drawingml/2006/main" xmlns:r="http://schemas.openxmlformats.org/officeDocument/2006/relationships" xmlns:p="http://schemas.openxmlformats.org/presentationml/2006/main">
   <p:cSld>
     <p:spTree>
@@ -19750,7 +20499,7 @@
 </p:sld>
 </file>
 
-<file path=ppt/slides/slide22.xml><?xml version="1.0" encoding="utf-8"?>
+<file path=ppt/slides/slide23.xml><?xml version="1.0" encoding="utf-8"?>
 <p:sld xmlns:a="http://schemas.openxmlformats.org/drawingml/2006/main" xmlns:r="http://schemas.openxmlformats.org/officeDocument/2006/relationships" xmlns:p="http://schemas.openxmlformats.org/presentationml/2006/main">
   <p:cSld>
     <p:spTree>
@@ -25231,7 +25980,7 @@
 </p:sld>
 </file>
 
-<file path=ppt/slides/slide23.xml><?xml version="1.0" encoding="utf-8"?>
+<file path=ppt/slides/slide24.xml><?xml version="1.0" encoding="utf-8"?>
 <p:sld xmlns:a="http://schemas.openxmlformats.org/drawingml/2006/main" xmlns:r="http://schemas.openxmlformats.org/officeDocument/2006/relationships" xmlns:p="http://schemas.openxmlformats.org/presentationml/2006/main">
   <p:cSld>
     <p:spTree>
@@ -28404,7 +29153,7 @@
 </p:sld>
 </file>
 
-<file path=ppt/slides/slide24.xml><?xml version="1.0" encoding="utf-8"?>
+<file path=ppt/slides/slide25.xml><?xml version="1.0" encoding="utf-8"?>
 <p:sld xmlns:a="http://schemas.openxmlformats.org/drawingml/2006/main" xmlns:r="http://schemas.openxmlformats.org/officeDocument/2006/relationships" xmlns:p="http://schemas.openxmlformats.org/presentationml/2006/main">
   <p:cSld>
     <p:spTree>
@@ -28619,7 +29368,7 @@
 </p:sld>
 </file>
 
-<file path=ppt/slides/slide25.xml><?xml version="1.0" encoding="utf-8"?>
+<file path=ppt/slides/slide26.xml><?xml version="1.0" encoding="utf-8"?>
 <p:sld xmlns:a="http://schemas.openxmlformats.org/drawingml/2006/main" xmlns:r="http://schemas.openxmlformats.org/officeDocument/2006/relationships" xmlns:p="http://schemas.openxmlformats.org/presentationml/2006/main">
   <p:cSld>
     <p:spTree>
@@ -28975,6 +29724,2271 @@
     <p:extLst>
       <p:ext uri="{BB962C8B-B14F-4D97-AF65-F5344CB8AC3E}">
         <p14:creationId xmlns:p14="http://schemas.microsoft.com/office/powerpoint/2010/main" val="3000373137"/>
+      </p:ext>
+    </p:extLst>
+  </p:cSld>
+  <p:clrMapOvr>
+    <a:masterClrMapping/>
+  </p:clrMapOvr>
+</p:sld>
+</file>
+
+<file path=ppt/slides/slide27.xml><?xml version="1.0" encoding="utf-8"?>
+<p:sld xmlns:a="http://schemas.openxmlformats.org/drawingml/2006/main" xmlns:r="http://schemas.openxmlformats.org/officeDocument/2006/relationships" xmlns:p="http://schemas.openxmlformats.org/presentationml/2006/main">
+  <p:cSld>
+    <p:spTree>
+      <p:nvGrpSpPr>
+        <p:cNvPr id="1" name=""/>
+        <p:cNvGrpSpPr/>
+        <p:nvPr/>
+      </p:nvGrpSpPr>
+      <p:grpSpPr>
+        <a:xfrm>
+          <a:off x="0" y="0"/>
+          <a:ext cx="0" cy="0"/>
+          <a:chOff x="0" y="0"/>
+          <a:chExt cx="0" cy="0"/>
+        </a:xfrm>
+      </p:grpSpPr>
+      <p:sp>
+        <p:nvSpPr>
+          <p:cNvPr id="2" name="Title 1">
+            <a:extLst>
+              <a:ext uri="{FF2B5EF4-FFF2-40B4-BE49-F238E27FC236}">
+                <a16:creationId xmlns:a16="http://schemas.microsoft.com/office/drawing/2014/main" id="{71136787-69DB-9C8B-08E2-E41A0DBB0CBA}"/>
+              </a:ext>
+            </a:extLst>
+          </p:cNvPr>
+          <p:cNvSpPr>
+            <a:spLocks noGrp="1"/>
+          </p:cNvSpPr>
+          <p:nvPr>
+            <p:ph type="title"/>
+          </p:nvPr>
+        </p:nvSpPr>
+        <p:spPr/>
+        <p:txBody>
+          <a:bodyPr/>
+          <a:lstStyle/>
+          <a:p>
+            <a:r>
+              <a:rPr lang="da-DK" dirty="0"/>
+              <a:t>Robots</a:t>
+            </a:r>
+            <a:endParaRPr lang="en-US" dirty="0"/>
+          </a:p>
+        </p:txBody>
+      </p:sp>
+      <p:sp>
+        <p:nvSpPr>
+          <p:cNvPr id="4" name="Rectangle 3">
+            <a:extLst>
+              <a:ext uri="{FF2B5EF4-FFF2-40B4-BE49-F238E27FC236}">
+                <a16:creationId xmlns:a16="http://schemas.microsoft.com/office/drawing/2014/main" id="{84AA3F72-5F3E-C78B-A5F6-2C7D9CFD6106}"/>
+              </a:ext>
+            </a:extLst>
+          </p:cNvPr>
+          <p:cNvSpPr/>
+          <p:nvPr/>
+        </p:nvSpPr>
+        <p:spPr>
+          <a:xfrm>
+            <a:off x="838200" y="1771133"/>
+            <a:ext cx="1507524" cy="543697"/>
+          </a:xfrm>
+          <a:prstGeom prst="rect">
+            <a:avLst/>
+          </a:prstGeom>
+        </p:spPr>
+        <p:style>
+          <a:lnRef idx="2">
+            <a:schemeClr val="dk1"/>
+          </a:lnRef>
+          <a:fillRef idx="1">
+            <a:schemeClr val="lt1"/>
+          </a:fillRef>
+          <a:effectRef idx="0">
+            <a:schemeClr val="dk1"/>
+          </a:effectRef>
+          <a:fontRef idx="minor">
+            <a:schemeClr val="dk1"/>
+          </a:fontRef>
+        </p:style>
+        <p:txBody>
+          <a:bodyPr rtlCol="0" anchor="ctr"/>
+          <a:lstStyle/>
+          <a:p>
+            <a:pPr algn="ctr"/>
+            <a:r>
+              <a:rPr lang="da-DK" dirty="0" err="1"/>
+              <a:t>BasicRobot</a:t>
+            </a:r>
+            <a:endParaRPr lang="en-US" dirty="0"/>
+          </a:p>
+        </p:txBody>
+      </p:sp>
+      <p:sp>
+        <p:nvSpPr>
+          <p:cNvPr id="5" name="Rectangle 4">
+            <a:extLst>
+              <a:ext uri="{FF2B5EF4-FFF2-40B4-BE49-F238E27FC236}">
+                <a16:creationId xmlns:a16="http://schemas.microsoft.com/office/drawing/2014/main" id="{0614046F-4673-CA74-2DF1-DA0FD9C42FF3}"/>
+              </a:ext>
+            </a:extLst>
+          </p:cNvPr>
+          <p:cNvSpPr/>
+          <p:nvPr/>
+        </p:nvSpPr>
+        <p:spPr>
+          <a:xfrm>
+            <a:off x="5206313" y="2042983"/>
+            <a:ext cx="1507524" cy="543697"/>
+          </a:xfrm>
+          <a:prstGeom prst="rect">
+            <a:avLst/>
+          </a:prstGeom>
+        </p:spPr>
+        <p:style>
+          <a:lnRef idx="2">
+            <a:schemeClr val="dk1"/>
+          </a:lnRef>
+          <a:fillRef idx="1">
+            <a:schemeClr val="lt1"/>
+          </a:fillRef>
+          <a:effectRef idx="0">
+            <a:schemeClr val="dk1"/>
+          </a:effectRef>
+          <a:fontRef idx="minor">
+            <a:schemeClr val="dk1"/>
+          </a:fontRef>
+        </p:style>
+        <p:txBody>
+          <a:bodyPr rtlCol="0" anchor="ctr"/>
+          <a:lstStyle/>
+          <a:p>
+            <a:pPr algn="ctr"/>
+            <a:r>
+              <a:rPr lang="da-DK" dirty="0" err="1"/>
+              <a:t>AttackRobot</a:t>
+            </a:r>
+            <a:endParaRPr lang="en-US" dirty="0"/>
+          </a:p>
+        </p:txBody>
+      </p:sp>
+      <p:sp>
+        <p:nvSpPr>
+          <p:cNvPr id="6" name="Rectangle 5">
+            <a:extLst>
+              <a:ext uri="{FF2B5EF4-FFF2-40B4-BE49-F238E27FC236}">
+                <a16:creationId xmlns:a16="http://schemas.microsoft.com/office/drawing/2014/main" id="{41814489-68D4-A31E-8DC6-9A8CA3DC51CD}"/>
+              </a:ext>
+            </a:extLst>
+          </p:cNvPr>
+          <p:cNvSpPr/>
+          <p:nvPr/>
+        </p:nvSpPr>
+        <p:spPr>
+          <a:xfrm>
+            <a:off x="7047470" y="2042982"/>
+            <a:ext cx="1507524" cy="543697"/>
+          </a:xfrm>
+          <a:prstGeom prst="rect">
+            <a:avLst/>
+          </a:prstGeom>
+        </p:spPr>
+        <p:style>
+          <a:lnRef idx="2">
+            <a:schemeClr val="dk1"/>
+          </a:lnRef>
+          <a:fillRef idx="1">
+            <a:schemeClr val="lt1"/>
+          </a:fillRef>
+          <a:effectRef idx="0">
+            <a:schemeClr val="dk1"/>
+          </a:effectRef>
+          <a:fontRef idx="minor">
+            <a:schemeClr val="dk1"/>
+          </a:fontRef>
+        </p:style>
+        <p:txBody>
+          <a:bodyPr rtlCol="0" anchor="ctr"/>
+          <a:lstStyle/>
+          <a:p>
+            <a:pPr algn="ctr"/>
+            <a:r>
+              <a:rPr lang="da-DK" dirty="0"/>
+              <a:t>Finder</a:t>
+            </a:r>
+            <a:endParaRPr lang="en-US" dirty="0"/>
+          </a:p>
+        </p:txBody>
+      </p:sp>
+      <p:sp>
+        <p:nvSpPr>
+          <p:cNvPr id="7" name="Rectangle 6">
+            <a:extLst>
+              <a:ext uri="{FF2B5EF4-FFF2-40B4-BE49-F238E27FC236}">
+                <a16:creationId xmlns:a16="http://schemas.microsoft.com/office/drawing/2014/main" id="{F80D6A8A-57E3-8959-4DE1-84CF8E619890}"/>
+              </a:ext>
+            </a:extLst>
+          </p:cNvPr>
+          <p:cNvSpPr/>
+          <p:nvPr/>
+        </p:nvSpPr>
+        <p:spPr>
+          <a:xfrm>
+            <a:off x="8888627" y="2042982"/>
+            <a:ext cx="1507524" cy="543697"/>
+          </a:xfrm>
+          <a:prstGeom prst="rect">
+            <a:avLst/>
+          </a:prstGeom>
+        </p:spPr>
+        <p:style>
+          <a:lnRef idx="2">
+            <a:schemeClr val="dk1"/>
+          </a:lnRef>
+          <a:fillRef idx="1">
+            <a:schemeClr val="lt1"/>
+          </a:fillRef>
+          <a:effectRef idx="0">
+            <a:schemeClr val="dk1"/>
+          </a:effectRef>
+          <a:fontRef idx="minor">
+            <a:schemeClr val="dk1"/>
+          </a:fontRef>
+        </p:style>
+        <p:txBody>
+          <a:bodyPr rtlCol="0" anchor="ctr"/>
+          <a:lstStyle/>
+          <a:p>
+            <a:pPr algn="ctr"/>
+            <a:r>
+              <a:rPr lang="da-DK" dirty="0" err="1"/>
+              <a:t>Reparator</a:t>
+            </a:r>
+            <a:endParaRPr lang="en-US" dirty="0"/>
+          </a:p>
+        </p:txBody>
+      </p:sp>
+      <p:sp>
+        <p:nvSpPr>
+          <p:cNvPr id="8" name="Rectangle 7">
+            <a:extLst>
+              <a:ext uri="{FF2B5EF4-FFF2-40B4-BE49-F238E27FC236}">
+                <a16:creationId xmlns:a16="http://schemas.microsoft.com/office/drawing/2014/main" id="{4398FEAD-7D48-9748-9AD8-BEE8223F38E4}"/>
+              </a:ext>
+            </a:extLst>
+          </p:cNvPr>
+          <p:cNvSpPr/>
+          <p:nvPr/>
+        </p:nvSpPr>
+        <p:spPr>
+          <a:xfrm>
+            <a:off x="5074508" y="5438197"/>
+            <a:ext cx="1507524" cy="543697"/>
+          </a:xfrm>
+          <a:prstGeom prst="rect">
+            <a:avLst/>
+          </a:prstGeom>
+        </p:spPr>
+        <p:style>
+          <a:lnRef idx="2">
+            <a:schemeClr val="dk1"/>
+          </a:lnRef>
+          <a:fillRef idx="1">
+            <a:schemeClr val="lt1"/>
+          </a:fillRef>
+          <a:effectRef idx="0">
+            <a:schemeClr val="dk1"/>
+          </a:effectRef>
+          <a:fontRef idx="minor">
+            <a:schemeClr val="dk1"/>
+          </a:fontRef>
+        </p:style>
+        <p:txBody>
+          <a:bodyPr rtlCol="0" anchor="ctr"/>
+          <a:lstStyle/>
+          <a:p>
+            <a:pPr algn="ctr"/>
+            <a:r>
+              <a:rPr lang="da-DK" dirty="0"/>
+              <a:t>Walker</a:t>
+            </a:r>
+            <a:endParaRPr lang="en-US" dirty="0"/>
+          </a:p>
+        </p:txBody>
+      </p:sp>
+      <p:sp>
+        <p:nvSpPr>
+          <p:cNvPr id="9" name="Rectangle 8">
+            <a:extLst>
+              <a:ext uri="{FF2B5EF4-FFF2-40B4-BE49-F238E27FC236}">
+                <a16:creationId xmlns:a16="http://schemas.microsoft.com/office/drawing/2014/main" id="{F07E7D09-38DE-4F83-E7E7-DC0748FBC1AD}"/>
+              </a:ext>
+            </a:extLst>
+          </p:cNvPr>
+          <p:cNvSpPr/>
+          <p:nvPr/>
+        </p:nvSpPr>
+        <p:spPr>
+          <a:xfrm>
+            <a:off x="6915665" y="5438196"/>
+            <a:ext cx="1507524" cy="543697"/>
+          </a:xfrm>
+          <a:prstGeom prst="rect">
+            <a:avLst/>
+          </a:prstGeom>
+        </p:spPr>
+        <p:style>
+          <a:lnRef idx="2">
+            <a:schemeClr val="dk1"/>
+          </a:lnRef>
+          <a:fillRef idx="1">
+            <a:schemeClr val="lt1"/>
+          </a:fillRef>
+          <a:effectRef idx="0">
+            <a:schemeClr val="dk1"/>
+          </a:effectRef>
+          <a:fontRef idx="minor">
+            <a:schemeClr val="dk1"/>
+          </a:fontRef>
+        </p:style>
+        <p:txBody>
+          <a:bodyPr rtlCol="0" anchor="ctr"/>
+          <a:lstStyle/>
+          <a:p>
+            <a:pPr algn="ctr"/>
+            <a:r>
+              <a:rPr lang="da-DK" dirty="0" err="1"/>
+              <a:t>Flyier</a:t>
+            </a:r>
+            <a:endParaRPr lang="en-US" dirty="0"/>
+          </a:p>
+        </p:txBody>
+      </p:sp>
+      <p:sp>
+        <p:nvSpPr>
+          <p:cNvPr id="10" name="Rectangle 9">
+            <a:extLst>
+              <a:ext uri="{FF2B5EF4-FFF2-40B4-BE49-F238E27FC236}">
+                <a16:creationId xmlns:a16="http://schemas.microsoft.com/office/drawing/2014/main" id="{A889CA0A-FD0A-1925-2A59-E51145B78AEC}"/>
+              </a:ext>
+            </a:extLst>
+          </p:cNvPr>
+          <p:cNvSpPr/>
+          <p:nvPr/>
+        </p:nvSpPr>
+        <p:spPr>
+          <a:xfrm>
+            <a:off x="8756822" y="5438196"/>
+            <a:ext cx="1507524" cy="543697"/>
+          </a:xfrm>
+          <a:prstGeom prst="rect">
+            <a:avLst/>
+          </a:prstGeom>
+        </p:spPr>
+        <p:style>
+          <a:lnRef idx="2">
+            <a:schemeClr val="dk1"/>
+          </a:lnRef>
+          <a:fillRef idx="1">
+            <a:schemeClr val="lt1"/>
+          </a:fillRef>
+          <a:effectRef idx="0">
+            <a:schemeClr val="dk1"/>
+          </a:effectRef>
+          <a:fontRef idx="minor">
+            <a:schemeClr val="dk1"/>
+          </a:fontRef>
+        </p:style>
+        <p:txBody>
+          <a:bodyPr rtlCol="0" anchor="ctr"/>
+          <a:lstStyle/>
+          <a:p>
+            <a:pPr algn="ctr"/>
+            <a:r>
+              <a:rPr lang="da-DK" dirty="0" err="1"/>
+              <a:t>Diver</a:t>
+            </a:r>
+            <a:endParaRPr lang="en-US" dirty="0"/>
+          </a:p>
+        </p:txBody>
+      </p:sp>
+      <p:sp>
+        <p:nvSpPr>
+          <p:cNvPr id="11" name="Rectangle 10">
+            <a:extLst>
+              <a:ext uri="{FF2B5EF4-FFF2-40B4-BE49-F238E27FC236}">
+                <a16:creationId xmlns:a16="http://schemas.microsoft.com/office/drawing/2014/main" id="{193343CF-AA98-A87A-E126-B770FECECDEF}"/>
+              </a:ext>
+            </a:extLst>
+          </p:cNvPr>
+          <p:cNvSpPr/>
+          <p:nvPr/>
+        </p:nvSpPr>
+        <p:spPr>
+          <a:xfrm>
+            <a:off x="844378" y="2314830"/>
+            <a:ext cx="1507524" cy="543697"/>
+          </a:xfrm>
+          <a:prstGeom prst="rect">
+            <a:avLst/>
+          </a:prstGeom>
+        </p:spPr>
+        <p:style>
+          <a:lnRef idx="2">
+            <a:schemeClr val="dk1"/>
+          </a:lnRef>
+          <a:fillRef idx="1">
+            <a:schemeClr val="lt1"/>
+          </a:fillRef>
+          <a:effectRef idx="0">
+            <a:schemeClr val="dk1"/>
+          </a:effectRef>
+          <a:fontRef idx="minor">
+            <a:schemeClr val="dk1"/>
+          </a:fontRef>
+        </p:style>
+        <p:txBody>
+          <a:bodyPr rtlCol="0" anchor="ctr"/>
+          <a:lstStyle/>
+          <a:p>
+            <a:pPr algn="ctr"/>
+            <a:r>
+              <a:rPr lang="da-DK" dirty="0" err="1"/>
+              <a:t>role</a:t>
+            </a:r>
+            <a:endParaRPr lang="en-US" dirty="0"/>
+          </a:p>
+        </p:txBody>
+      </p:sp>
+      <p:sp>
+        <p:nvSpPr>
+          <p:cNvPr id="12" name="Rectangle 11">
+            <a:extLst>
+              <a:ext uri="{FF2B5EF4-FFF2-40B4-BE49-F238E27FC236}">
+                <a16:creationId xmlns:a16="http://schemas.microsoft.com/office/drawing/2014/main" id="{5EB0DAF1-7D2A-ABB4-0935-257D46BECC80}"/>
+              </a:ext>
+            </a:extLst>
+          </p:cNvPr>
+          <p:cNvSpPr/>
+          <p:nvPr/>
+        </p:nvSpPr>
+        <p:spPr>
+          <a:xfrm>
+            <a:off x="838200" y="2858527"/>
+            <a:ext cx="1507524" cy="543697"/>
+          </a:xfrm>
+          <a:prstGeom prst="rect">
+            <a:avLst/>
+          </a:prstGeom>
+        </p:spPr>
+        <p:style>
+          <a:lnRef idx="2">
+            <a:schemeClr val="dk1"/>
+          </a:lnRef>
+          <a:fillRef idx="1">
+            <a:schemeClr val="lt1"/>
+          </a:fillRef>
+          <a:effectRef idx="0">
+            <a:schemeClr val="dk1"/>
+          </a:effectRef>
+          <a:fontRef idx="minor">
+            <a:schemeClr val="dk1"/>
+          </a:fontRef>
+        </p:style>
+        <p:txBody>
+          <a:bodyPr rtlCol="0" anchor="ctr"/>
+          <a:lstStyle/>
+          <a:p>
+            <a:pPr algn="ctr"/>
+            <a:r>
+              <a:rPr lang="da-DK" dirty="0" err="1"/>
+              <a:t>movement</a:t>
+            </a:r>
+            <a:endParaRPr lang="en-US" dirty="0"/>
+          </a:p>
+        </p:txBody>
+      </p:sp>
+      <p:cxnSp>
+        <p:nvCxnSpPr>
+          <p:cNvPr id="14" name="Connector: Elbow 13">
+            <a:extLst>
+              <a:ext uri="{FF2B5EF4-FFF2-40B4-BE49-F238E27FC236}">
+                <a16:creationId xmlns:a16="http://schemas.microsoft.com/office/drawing/2014/main" id="{CDC5AD77-EA6B-C98B-B4D3-69EFE580703A}"/>
+              </a:ext>
+            </a:extLst>
+          </p:cNvPr>
+          <p:cNvCxnSpPr>
+            <a:cxnSpLocks/>
+            <a:stCxn id="11" idx="3"/>
+            <a:endCxn id="15" idx="1"/>
+          </p:cNvCxnSpPr>
+          <p:nvPr/>
+        </p:nvCxnSpPr>
+        <p:spPr>
+          <a:xfrm flipV="1">
+            <a:off x="2351902" y="1147955"/>
+            <a:ext cx="4165258" cy="1438724"/>
+          </a:xfrm>
+          <a:prstGeom prst="bentConnector3">
+            <a:avLst/>
+          </a:prstGeom>
+          <a:ln>
+            <a:tailEnd type="triangle"/>
+          </a:ln>
+        </p:spPr>
+        <p:style>
+          <a:lnRef idx="2">
+            <a:schemeClr val="accent2"/>
+          </a:lnRef>
+          <a:fillRef idx="0">
+            <a:schemeClr val="accent2"/>
+          </a:fillRef>
+          <a:effectRef idx="1">
+            <a:schemeClr val="accent2"/>
+          </a:effectRef>
+          <a:fontRef idx="minor">
+            <a:schemeClr val="tx1"/>
+          </a:fontRef>
+        </p:style>
+      </p:cxnSp>
+      <p:sp>
+        <p:nvSpPr>
+          <p:cNvPr id="15" name="Rectangle 14">
+            <a:extLst>
+              <a:ext uri="{FF2B5EF4-FFF2-40B4-BE49-F238E27FC236}">
+                <a16:creationId xmlns:a16="http://schemas.microsoft.com/office/drawing/2014/main" id="{EFB2A6FF-9FF9-3541-5102-CDF4261A2EB5}"/>
+              </a:ext>
+            </a:extLst>
+          </p:cNvPr>
+          <p:cNvSpPr/>
+          <p:nvPr/>
+        </p:nvSpPr>
+        <p:spPr>
+          <a:xfrm>
+            <a:off x="6517160" y="876106"/>
+            <a:ext cx="1507524" cy="543697"/>
+          </a:xfrm>
+          <a:prstGeom prst="rect">
+            <a:avLst/>
+          </a:prstGeom>
+        </p:spPr>
+        <p:style>
+          <a:lnRef idx="2">
+            <a:schemeClr val="dk1"/>
+          </a:lnRef>
+          <a:fillRef idx="1">
+            <a:schemeClr val="lt1"/>
+          </a:fillRef>
+          <a:effectRef idx="0">
+            <a:schemeClr val="dk1"/>
+          </a:effectRef>
+          <a:fontRef idx="minor">
+            <a:schemeClr val="dk1"/>
+          </a:fontRef>
+        </p:style>
+        <p:txBody>
+          <a:bodyPr rtlCol="0" anchor="ctr"/>
+          <a:lstStyle/>
+          <a:p>
+            <a:pPr algn="ctr"/>
+            <a:r>
+              <a:rPr lang="da-DK" i="1" dirty="0" err="1"/>
+              <a:t>Role</a:t>
+            </a:r>
+            <a:endParaRPr lang="en-US" i="1" dirty="0"/>
+          </a:p>
+        </p:txBody>
+      </p:sp>
+      <p:cxnSp>
+        <p:nvCxnSpPr>
+          <p:cNvPr id="18" name="Connector: Elbow 17">
+            <a:extLst>
+              <a:ext uri="{FF2B5EF4-FFF2-40B4-BE49-F238E27FC236}">
+                <a16:creationId xmlns:a16="http://schemas.microsoft.com/office/drawing/2014/main" id="{10367E25-2032-81CD-503F-0F1DF69D9E8F}"/>
+              </a:ext>
+            </a:extLst>
+          </p:cNvPr>
+          <p:cNvCxnSpPr>
+            <a:stCxn id="5" idx="0"/>
+            <a:endCxn id="15" idx="2"/>
+          </p:cNvCxnSpPr>
+          <p:nvPr/>
+        </p:nvCxnSpPr>
+        <p:spPr>
+          <a:xfrm rot="5400000" flipH="1" flipV="1">
+            <a:off x="6303908" y="1075970"/>
+            <a:ext cx="623180" cy="1310847"/>
+          </a:xfrm>
+          <a:prstGeom prst="bentConnector3">
+            <a:avLst/>
+          </a:prstGeom>
+          <a:ln>
+            <a:tailEnd type="triangle"/>
+          </a:ln>
+        </p:spPr>
+        <p:style>
+          <a:lnRef idx="1">
+            <a:schemeClr val="accent1"/>
+          </a:lnRef>
+          <a:fillRef idx="0">
+            <a:schemeClr val="accent1"/>
+          </a:fillRef>
+          <a:effectRef idx="0">
+            <a:schemeClr val="accent1"/>
+          </a:effectRef>
+          <a:fontRef idx="minor">
+            <a:schemeClr val="tx1"/>
+          </a:fontRef>
+        </p:style>
+      </p:cxnSp>
+      <p:sp>
+        <p:nvSpPr>
+          <p:cNvPr id="19" name="Rectangle 18">
+            <a:extLst>
+              <a:ext uri="{FF2B5EF4-FFF2-40B4-BE49-F238E27FC236}">
+                <a16:creationId xmlns:a16="http://schemas.microsoft.com/office/drawing/2014/main" id="{F9F2825D-A1EF-A306-4295-31750E5A90FA}"/>
+              </a:ext>
+            </a:extLst>
+          </p:cNvPr>
+          <p:cNvSpPr/>
+          <p:nvPr/>
+        </p:nvSpPr>
+        <p:spPr>
+          <a:xfrm>
+            <a:off x="6916694" y="3680384"/>
+            <a:ext cx="1906029" cy="543697"/>
+          </a:xfrm>
+          <a:prstGeom prst="rect">
+            <a:avLst/>
+          </a:prstGeom>
+        </p:spPr>
+        <p:style>
+          <a:lnRef idx="2">
+            <a:schemeClr val="dk1"/>
+          </a:lnRef>
+          <a:fillRef idx="1">
+            <a:schemeClr val="lt1"/>
+          </a:fillRef>
+          <a:effectRef idx="0">
+            <a:schemeClr val="dk1"/>
+          </a:effectRef>
+          <a:fontRef idx="minor">
+            <a:schemeClr val="dk1"/>
+          </a:fontRef>
+        </p:style>
+        <p:txBody>
+          <a:bodyPr rtlCol="0" anchor="ctr"/>
+          <a:lstStyle/>
+          <a:p>
+            <a:pPr algn="ctr"/>
+            <a:r>
+              <a:rPr lang="da-DK" i="1" dirty="0" err="1"/>
+              <a:t>WaysOfMoving</a:t>
+            </a:r>
+            <a:endParaRPr lang="en-US" i="1" dirty="0"/>
+          </a:p>
+        </p:txBody>
+      </p:sp>
+      <p:cxnSp>
+        <p:nvCxnSpPr>
+          <p:cNvPr id="21" name="Connector: Elbow 20">
+            <a:extLst>
+              <a:ext uri="{FF2B5EF4-FFF2-40B4-BE49-F238E27FC236}">
+                <a16:creationId xmlns:a16="http://schemas.microsoft.com/office/drawing/2014/main" id="{721D7780-C4F7-B18D-DEB3-9989E16CAC0E}"/>
+              </a:ext>
+            </a:extLst>
+          </p:cNvPr>
+          <p:cNvCxnSpPr>
+            <a:cxnSpLocks/>
+            <a:stCxn id="8" idx="0"/>
+            <a:endCxn id="28" idx="2"/>
+          </p:cNvCxnSpPr>
+          <p:nvPr/>
+        </p:nvCxnSpPr>
+        <p:spPr>
+          <a:xfrm rot="5400000" flipH="1" flipV="1">
+            <a:off x="6417178" y="3987469"/>
+            <a:ext cx="861821" cy="2039636"/>
+          </a:xfrm>
+          <a:prstGeom prst="bentConnector3">
+            <a:avLst/>
+          </a:prstGeom>
+          <a:ln>
+            <a:tailEnd type="triangle"/>
+          </a:ln>
+        </p:spPr>
+        <p:style>
+          <a:lnRef idx="1">
+            <a:schemeClr val="accent1"/>
+          </a:lnRef>
+          <a:fillRef idx="0">
+            <a:schemeClr val="accent1"/>
+          </a:fillRef>
+          <a:effectRef idx="0">
+            <a:schemeClr val="accent1"/>
+          </a:effectRef>
+          <a:fontRef idx="minor">
+            <a:schemeClr val="tx1"/>
+          </a:fontRef>
+        </p:style>
+      </p:cxnSp>
+      <p:cxnSp>
+        <p:nvCxnSpPr>
+          <p:cNvPr id="23" name="Connector: Elbow 22">
+            <a:extLst>
+              <a:ext uri="{FF2B5EF4-FFF2-40B4-BE49-F238E27FC236}">
+                <a16:creationId xmlns:a16="http://schemas.microsoft.com/office/drawing/2014/main" id="{7658CEC7-8B6A-D0D6-987D-7742CE451898}"/>
+              </a:ext>
+            </a:extLst>
+          </p:cNvPr>
+          <p:cNvCxnSpPr>
+            <a:stCxn id="12" idx="3"/>
+            <a:endCxn id="19" idx="1"/>
+          </p:cNvCxnSpPr>
+          <p:nvPr/>
+        </p:nvCxnSpPr>
+        <p:spPr>
+          <a:xfrm>
+            <a:off x="2345724" y="3130376"/>
+            <a:ext cx="4570970" cy="821857"/>
+          </a:xfrm>
+          <a:prstGeom prst="bentConnector3">
+            <a:avLst/>
+          </a:prstGeom>
+          <a:ln>
+            <a:tailEnd type="triangle"/>
+          </a:ln>
+        </p:spPr>
+        <p:style>
+          <a:lnRef idx="2">
+            <a:schemeClr val="accent2"/>
+          </a:lnRef>
+          <a:fillRef idx="0">
+            <a:schemeClr val="accent2"/>
+          </a:fillRef>
+          <a:effectRef idx="1">
+            <a:schemeClr val="accent2"/>
+          </a:effectRef>
+          <a:fontRef idx="minor">
+            <a:schemeClr val="tx1"/>
+          </a:fontRef>
+        </p:style>
+      </p:cxnSp>
+      <p:sp>
+        <p:nvSpPr>
+          <p:cNvPr id="25" name="Rectangle 24">
+            <a:extLst>
+              <a:ext uri="{FF2B5EF4-FFF2-40B4-BE49-F238E27FC236}">
+                <a16:creationId xmlns:a16="http://schemas.microsoft.com/office/drawing/2014/main" id="{14C4A7D8-0983-26F4-B827-C3D875F43921}"/>
+              </a:ext>
+            </a:extLst>
+          </p:cNvPr>
+          <p:cNvSpPr/>
+          <p:nvPr/>
+        </p:nvSpPr>
+        <p:spPr>
+          <a:xfrm>
+            <a:off x="838200" y="3408526"/>
+            <a:ext cx="1507524" cy="543697"/>
+          </a:xfrm>
+          <a:prstGeom prst="rect">
+            <a:avLst/>
+          </a:prstGeom>
+        </p:spPr>
+        <p:style>
+          <a:lnRef idx="2">
+            <a:schemeClr val="dk1"/>
+          </a:lnRef>
+          <a:fillRef idx="1">
+            <a:schemeClr val="lt1"/>
+          </a:fillRef>
+          <a:effectRef idx="0">
+            <a:schemeClr val="dk1"/>
+          </a:effectRef>
+          <a:fontRef idx="minor">
+            <a:schemeClr val="dk1"/>
+          </a:fontRef>
+        </p:style>
+        <p:txBody>
+          <a:bodyPr rtlCol="0" anchor="ctr"/>
+          <a:lstStyle/>
+          <a:p>
+            <a:pPr algn="ctr"/>
+            <a:r>
+              <a:rPr lang="da-DK" dirty="0" err="1"/>
+              <a:t>Move</a:t>
+            </a:r>
+            <a:r>
+              <a:rPr lang="da-DK" dirty="0"/>
+              <a:t>()</a:t>
+            </a:r>
+            <a:endParaRPr lang="en-US" dirty="0"/>
+          </a:p>
+        </p:txBody>
+      </p:sp>
+      <p:sp>
+        <p:nvSpPr>
+          <p:cNvPr id="27" name="TextBox 26">
+            <a:extLst>
+              <a:ext uri="{FF2B5EF4-FFF2-40B4-BE49-F238E27FC236}">
+                <a16:creationId xmlns:a16="http://schemas.microsoft.com/office/drawing/2014/main" id="{167E5710-D713-A87E-894F-649392628721}"/>
+              </a:ext>
+            </a:extLst>
+          </p:cNvPr>
+          <p:cNvSpPr txBox="1"/>
+          <p:nvPr/>
+        </p:nvSpPr>
+        <p:spPr>
+          <a:xfrm>
+            <a:off x="939114" y="3958525"/>
+            <a:ext cx="2001794" cy="646331"/>
+          </a:xfrm>
+          <a:prstGeom prst="rect">
+            <a:avLst/>
+          </a:prstGeom>
+          <a:noFill/>
+        </p:spPr>
+        <p:txBody>
+          <a:bodyPr wrap="square">
+            <a:spAutoFit/>
+          </a:bodyPr>
+          <a:lstStyle/>
+          <a:p>
+            <a:pPr algn="ctr"/>
+            <a:r>
+              <a:rPr lang="da-DK" dirty="0" err="1"/>
+              <a:t>Movement.doSomething</a:t>
+            </a:r>
+            <a:r>
+              <a:rPr lang="da-DK" dirty="0"/>
+              <a:t>()</a:t>
+            </a:r>
+            <a:endParaRPr lang="en-US" dirty="0"/>
+          </a:p>
+        </p:txBody>
+      </p:sp>
+      <p:sp>
+        <p:nvSpPr>
+          <p:cNvPr id="28" name="Rectangle 27">
+            <a:extLst>
+              <a:ext uri="{FF2B5EF4-FFF2-40B4-BE49-F238E27FC236}">
+                <a16:creationId xmlns:a16="http://schemas.microsoft.com/office/drawing/2014/main" id="{DDEBA750-6914-A403-5570-6452E1D9E4FE}"/>
+              </a:ext>
+            </a:extLst>
+          </p:cNvPr>
+          <p:cNvSpPr/>
+          <p:nvPr/>
+        </p:nvSpPr>
+        <p:spPr>
+          <a:xfrm>
+            <a:off x="6914891" y="4238572"/>
+            <a:ext cx="1906029" cy="337804"/>
+          </a:xfrm>
+          <a:prstGeom prst="rect">
+            <a:avLst/>
+          </a:prstGeom>
+        </p:spPr>
+        <p:style>
+          <a:lnRef idx="2">
+            <a:schemeClr val="dk1"/>
+          </a:lnRef>
+          <a:fillRef idx="1">
+            <a:schemeClr val="lt1"/>
+          </a:fillRef>
+          <a:effectRef idx="0">
+            <a:schemeClr val="dk1"/>
+          </a:effectRef>
+          <a:fontRef idx="minor">
+            <a:schemeClr val="dk1"/>
+          </a:fontRef>
+        </p:style>
+        <p:txBody>
+          <a:bodyPr rtlCol="0" anchor="ctr"/>
+          <a:lstStyle/>
+          <a:p>
+            <a:pPr algn="ctr"/>
+            <a:r>
+              <a:rPr lang="da-DK" dirty="0" err="1"/>
+              <a:t>doSomething</a:t>
+            </a:r>
+            <a:r>
+              <a:rPr lang="da-DK" dirty="0"/>
+              <a:t>()</a:t>
+            </a:r>
+            <a:endParaRPr lang="en-US" dirty="0"/>
+          </a:p>
+        </p:txBody>
+      </p:sp>
+      <p:sp>
+        <p:nvSpPr>
+          <p:cNvPr id="3" name="TextBox 2">
+            <a:extLst>
+              <a:ext uri="{FF2B5EF4-FFF2-40B4-BE49-F238E27FC236}">
+                <a16:creationId xmlns:a16="http://schemas.microsoft.com/office/drawing/2014/main" id="{DD24A006-A5EA-7249-6D6E-D23776A1637E}"/>
+              </a:ext>
+            </a:extLst>
+          </p:cNvPr>
+          <p:cNvSpPr txBox="1"/>
+          <p:nvPr/>
+        </p:nvSpPr>
+        <p:spPr>
+          <a:xfrm>
+            <a:off x="2397210" y="2290116"/>
+            <a:ext cx="301686" cy="369332"/>
+          </a:xfrm>
+          <a:prstGeom prst="rect">
+            <a:avLst/>
+          </a:prstGeom>
+          <a:noFill/>
+        </p:spPr>
+        <p:txBody>
+          <a:bodyPr wrap="none" rtlCol="0">
+            <a:spAutoFit/>
+          </a:bodyPr>
+          <a:lstStyle/>
+          <a:p>
+            <a:r>
+              <a:rPr lang="da-DK" dirty="0"/>
+              <a:t>1</a:t>
+            </a:r>
+            <a:endParaRPr lang="en-US" dirty="0"/>
+          </a:p>
+        </p:txBody>
+      </p:sp>
+      <p:sp>
+        <p:nvSpPr>
+          <p:cNvPr id="13" name="TextBox 12">
+            <a:extLst>
+              <a:ext uri="{FF2B5EF4-FFF2-40B4-BE49-F238E27FC236}">
+                <a16:creationId xmlns:a16="http://schemas.microsoft.com/office/drawing/2014/main" id="{9BAC5F77-AFE7-65DF-A610-A13E7035491D}"/>
+              </a:ext>
+            </a:extLst>
+          </p:cNvPr>
+          <p:cNvSpPr txBox="1"/>
+          <p:nvPr/>
+        </p:nvSpPr>
+        <p:spPr>
+          <a:xfrm>
+            <a:off x="6162970" y="778623"/>
+            <a:ext cx="301686" cy="369332"/>
+          </a:xfrm>
+          <a:prstGeom prst="rect">
+            <a:avLst/>
+          </a:prstGeom>
+          <a:noFill/>
+        </p:spPr>
+        <p:txBody>
+          <a:bodyPr wrap="none" rtlCol="0">
+            <a:spAutoFit/>
+          </a:bodyPr>
+          <a:lstStyle/>
+          <a:p>
+            <a:r>
+              <a:rPr lang="da-DK" dirty="0"/>
+              <a:t>1</a:t>
+            </a:r>
+            <a:endParaRPr lang="en-US" dirty="0"/>
+          </a:p>
+        </p:txBody>
+      </p:sp>
+      <p:sp>
+        <p:nvSpPr>
+          <p:cNvPr id="16" name="TextBox 15">
+            <a:extLst>
+              <a:ext uri="{FF2B5EF4-FFF2-40B4-BE49-F238E27FC236}">
+                <a16:creationId xmlns:a16="http://schemas.microsoft.com/office/drawing/2014/main" id="{696C0AC0-C14A-B863-F45E-131E4F4A7176}"/>
+              </a:ext>
+            </a:extLst>
+          </p:cNvPr>
+          <p:cNvSpPr txBox="1"/>
+          <p:nvPr/>
+        </p:nvSpPr>
+        <p:spPr>
+          <a:xfrm>
+            <a:off x="2377671" y="3174439"/>
+            <a:ext cx="301686" cy="369332"/>
+          </a:xfrm>
+          <a:prstGeom prst="rect">
+            <a:avLst/>
+          </a:prstGeom>
+          <a:noFill/>
+        </p:spPr>
+        <p:txBody>
+          <a:bodyPr wrap="none" rtlCol="0">
+            <a:spAutoFit/>
+          </a:bodyPr>
+          <a:lstStyle/>
+          <a:p>
+            <a:r>
+              <a:rPr lang="da-DK" dirty="0"/>
+              <a:t>1</a:t>
+            </a:r>
+            <a:endParaRPr lang="en-US" dirty="0"/>
+          </a:p>
+        </p:txBody>
+      </p:sp>
+      <p:sp>
+        <p:nvSpPr>
+          <p:cNvPr id="17" name="TextBox 16">
+            <a:extLst>
+              <a:ext uri="{FF2B5EF4-FFF2-40B4-BE49-F238E27FC236}">
+                <a16:creationId xmlns:a16="http://schemas.microsoft.com/office/drawing/2014/main" id="{97308BFC-E597-E085-D6F3-58DB8C8B06EC}"/>
+              </a:ext>
+            </a:extLst>
+          </p:cNvPr>
+          <p:cNvSpPr txBox="1"/>
+          <p:nvPr/>
+        </p:nvSpPr>
+        <p:spPr>
+          <a:xfrm>
+            <a:off x="6562994" y="3550326"/>
+            <a:ext cx="301686" cy="369332"/>
+          </a:xfrm>
+          <a:prstGeom prst="rect">
+            <a:avLst/>
+          </a:prstGeom>
+          <a:noFill/>
+        </p:spPr>
+        <p:txBody>
+          <a:bodyPr wrap="none" rtlCol="0">
+            <a:spAutoFit/>
+          </a:bodyPr>
+          <a:lstStyle/>
+          <a:p>
+            <a:r>
+              <a:rPr lang="da-DK" dirty="0"/>
+              <a:t>1</a:t>
+            </a:r>
+            <a:endParaRPr lang="en-US" dirty="0"/>
+          </a:p>
+        </p:txBody>
+      </p:sp>
+      <p:sp>
+        <p:nvSpPr>
+          <p:cNvPr id="20" name="Speech Bubble: Oval 19">
+            <a:extLst>
+              <a:ext uri="{FF2B5EF4-FFF2-40B4-BE49-F238E27FC236}">
+                <a16:creationId xmlns:a16="http://schemas.microsoft.com/office/drawing/2014/main" id="{FB9D207A-DC5A-99A4-98D0-22D11560556B}"/>
+              </a:ext>
+            </a:extLst>
+          </p:cNvPr>
+          <p:cNvSpPr/>
+          <p:nvPr/>
+        </p:nvSpPr>
+        <p:spPr>
+          <a:xfrm>
+            <a:off x="486032" y="5305168"/>
+            <a:ext cx="2454876" cy="1187707"/>
+          </a:xfrm>
+          <a:prstGeom prst="wedgeEllipseCallout">
+            <a:avLst/>
+          </a:prstGeom>
+        </p:spPr>
+        <p:style>
+          <a:lnRef idx="2">
+            <a:schemeClr val="accent1">
+              <a:shade val="50000"/>
+            </a:schemeClr>
+          </a:lnRef>
+          <a:fillRef idx="1">
+            <a:schemeClr val="accent1"/>
+          </a:fillRef>
+          <a:effectRef idx="0">
+            <a:schemeClr val="accent1"/>
+          </a:effectRef>
+          <a:fontRef idx="minor">
+            <a:schemeClr val="lt1"/>
+          </a:fontRef>
+        </p:style>
+        <p:txBody>
+          <a:bodyPr rtlCol="0" anchor="ctr"/>
+          <a:lstStyle/>
+          <a:p>
+            <a:pPr algn="ctr"/>
+            <a:r>
+              <a:rPr lang="da-DK" dirty="0"/>
+              <a:t>2x </a:t>
+            </a:r>
+            <a:r>
+              <a:rPr lang="da-DK" dirty="0" err="1"/>
+              <a:t>strategy</a:t>
+            </a:r>
+            <a:endParaRPr lang="da-DK" dirty="0"/>
+          </a:p>
+          <a:p>
+            <a:pPr algn="ctr"/>
+            <a:r>
+              <a:rPr lang="da-DK" dirty="0"/>
+              <a:t>… </a:t>
+            </a:r>
+            <a:r>
+              <a:rPr lang="da-DK" dirty="0" err="1"/>
+              <a:t>better</a:t>
+            </a:r>
+            <a:r>
+              <a:rPr lang="da-DK" dirty="0"/>
+              <a:t> but no </a:t>
+            </a:r>
+            <a:r>
+              <a:rPr lang="da-DK" dirty="0" err="1"/>
+              <a:t>combinations</a:t>
+            </a:r>
+            <a:endParaRPr lang="en-US" dirty="0"/>
+          </a:p>
+        </p:txBody>
+      </p:sp>
+    </p:spTree>
+    <p:extLst>
+      <p:ext uri="{BB962C8B-B14F-4D97-AF65-F5344CB8AC3E}">
+        <p14:creationId xmlns:p14="http://schemas.microsoft.com/office/powerpoint/2010/main" val="2081667823"/>
+      </p:ext>
+    </p:extLst>
+  </p:cSld>
+  <p:clrMapOvr>
+    <a:masterClrMapping/>
+  </p:clrMapOvr>
+</p:sld>
+</file>
+
+<file path=ppt/slides/slide28.xml><?xml version="1.0" encoding="utf-8"?>
+<p:sld xmlns:a="http://schemas.openxmlformats.org/drawingml/2006/main" xmlns:r="http://schemas.openxmlformats.org/officeDocument/2006/relationships" xmlns:p="http://schemas.openxmlformats.org/presentationml/2006/main">
+  <p:cSld>
+    <p:spTree>
+      <p:nvGrpSpPr>
+        <p:cNvPr id="1" name=""/>
+        <p:cNvGrpSpPr/>
+        <p:nvPr/>
+      </p:nvGrpSpPr>
+      <p:grpSpPr>
+        <a:xfrm>
+          <a:off x="0" y="0"/>
+          <a:ext cx="0" cy="0"/>
+          <a:chOff x="0" y="0"/>
+          <a:chExt cx="0" cy="0"/>
+        </a:xfrm>
+      </p:grpSpPr>
+      <p:sp>
+        <p:nvSpPr>
+          <p:cNvPr id="2" name="Title 1">
+            <a:extLst>
+              <a:ext uri="{FF2B5EF4-FFF2-40B4-BE49-F238E27FC236}">
+                <a16:creationId xmlns:a16="http://schemas.microsoft.com/office/drawing/2014/main" id="{71136787-69DB-9C8B-08E2-E41A0DBB0CBA}"/>
+              </a:ext>
+            </a:extLst>
+          </p:cNvPr>
+          <p:cNvSpPr>
+            <a:spLocks noGrp="1"/>
+          </p:cNvSpPr>
+          <p:nvPr>
+            <p:ph type="title"/>
+          </p:nvPr>
+        </p:nvSpPr>
+        <p:spPr>
+          <a:xfrm>
+            <a:off x="838200" y="323936"/>
+            <a:ext cx="10515600" cy="1325563"/>
+          </a:xfrm>
+        </p:spPr>
+        <p:txBody>
+          <a:bodyPr/>
+          <a:lstStyle/>
+          <a:p>
+            <a:r>
+              <a:rPr lang="da-DK" dirty="0"/>
+              <a:t>Robots</a:t>
+            </a:r>
+            <a:endParaRPr lang="en-US" dirty="0"/>
+          </a:p>
+        </p:txBody>
+      </p:sp>
+      <p:sp>
+        <p:nvSpPr>
+          <p:cNvPr id="4" name="Rectangle 3">
+            <a:extLst>
+              <a:ext uri="{FF2B5EF4-FFF2-40B4-BE49-F238E27FC236}">
+                <a16:creationId xmlns:a16="http://schemas.microsoft.com/office/drawing/2014/main" id="{84AA3F72-5F3E-C78B-A5F6-2C7D9CFD6106}"/>
+              </a:ext>
+            </a:extLst>
+          </p:cNvPr>
+          <p:cNvSpPr/>
+          <p:nvPr/>
+        </p:nvSpPr>
+        <p:spPr>
+          <a:xfrm>
+            <a:off x="1153040" y="3203537"/>
+            <a:ext cx="1507524" cy="543697"/>
+          </a:xfrm>
+          <a:prstGeom prst="rect">
+            <a:avLst/>
+          </a:prstGeom>
+        </p:spPr>
+        <p:style>
+          <a:lnRef idx="2">
+            <a:schemeClr val="dk1"/>
+          </a:lnRef>
+          <a:fillRef idx="1">
+            <a:schemeClr val="lt1"/>
+          </a:fillRef>
+          <a:effectRef idx="0">
+            <a:schemeClr val="dk1"/>
+          </a:effectRef>
+          <a:fontRef idx="minor">
+            <a:schemeClr val="dk1"/>
+          </a:fontRef>
+        </p:style>
+        <p:txBody>
+          <a:bodyPr rtlCol="0" anchor="ctr"/>
+          <a:lstStyle/>
+          <a:p>
+            <a:pPr algn="ctr"/>
+            <a:r>
+              <a:rPr lang="da-DK" dirty="0" err="1"/>
+              <a:t>BasicRobot</a:t>
+            </a:r>
+            <a:endParaRPr lang="en-US" dirty="0"/>
+          </a:p>
+        </p:txBody>
+      </p:sp>
+      <p:sp>
+        <p:nvSpPr>
+          <p:cNvPr id="5" name="Rectangle 4">
+            <a:extLst>
+              <a:ext uri="{FF2B5EF4-FFF2-40B4-BE49-F238E27FC236}">
+                <a16:creationId xmlns:a16="http://schemas.microsoft.com/office/drawing/2014/main" id="{0614046F-4673-CA74-2DF1-DA0FD9C42FF3}"/>
+              </a:ext>
+            </a:extLst>
+          </p:cNvPr>
+          <p:cNvSpPr/>
+          <p:nvPr/>
+        </p:nvSpPr>
+        <p:spPr>
+          <a:xfrm>
+            <a:off x="3640973" y="4855349"/>
+            <a:ext cx="1507524" cy="543697"/>
+          </a:xfrm>
+          <a:prstGeom prst="rect">
+            <a:avLst/>
+          </a:prstGeom>
+        </p:spPr>
+        <p:style>
+          <a:lnRef idx="2">
+            <a:schemeClr val="dk1"/>
+          </a:lnRef>
+          <a:fillRef idx="1">
+            <a:schemeClr val="lt1"/>
+          </a:fillRef>
+          <a:effectRef idx="0">
+            <a:schemeClr val="dk1"/>
+          </a:effectRef>
+          <a:fontRef idx="minor">
+            <a:schemeClr val="dk1"/>
+          </a:fontRef>
+        </p:style>
+        <p:txBody>
+          <a:bodyPr rtlCol="0" anchor="ctr"/>
+          <a:lstStyle/>
+          <a:p>
+            <a:pPr algn="ctr"/>
+            <a:r>
+              <a:rPr lang="da-DK" dirty="0" err="1"/>
+              <a:t>AttackRobot</a:t>
+            </a:r>
+            <a:endParaRPr lang="en-US" dirty="0"/>
+          </a:p>
+        </p:txBody>
+      </p:sp>
+      <p:sp>
+        <p:nvSpPr>
+          <p:cNvPr id="6" name="Rectangle 5">
+            <a:extLst>
+              <a:ext uri="{FF2B5EF4-FFF2-40B4-BE49-F238E27FC236}">
+                <a16:creationId xmlns:a16="http://schemas.microsoft.com/office/drawing/2014/main" id="{41814489-68D4-A31E-8DC6-9A8CA3DC51CD}"/>
+              </a:ext>
+            </a:extLst>
+          </p:cNvPr>
+          <p:cNvSpPr/>
+          <p:nvPr/>
+        </p:nvSpPr>
+        <p:spPr>
+          <a:xfrm>
+            <a:off x="5482130" y="4855348"/>
+            <a:ext cx="1507524" cy="543697"/>
+          </a:xfrm>
+          <a:prstGeom prst="rect">
+            <a:avLst/>
+          </a:prstGeom>
+        </p:spPr>
+        <p:style>
+          <a:lnRef idx="2">
+            <a:schemeClr val="dk1"/>
+          </a:lnRef>
+          <a:fillRef idx="1">
+            <a:schemeClr val="lt1"/>
+          </a:fillRef>
+          <a:effectRef idx="0">
+            <a:schemeClr val="dk1"/>
+          </a:effectRef>
+          <a:fontRef idx="minor">
+            <a:schemeClr val="dk1"/>
+          </a:fontRef>
+        </p:style>
+        <p:txBody>
+          <a:bodyPr rtlCol="0" anchor="ctr"/>
+          <a:lstStyle/>
+          <a:p>
+            <a:pPr algn="ctr"/>
+            <a:r>
+              <a:rPr lang="da-DK" dirty="0"/>
+              <a:t>Finder</a:t>
+            </a:r>
+            <a:endParaRPr lang="en-US" dirty="0"/>
+          </a:p>
+        </p:txBody>
+      </p:sp>
+      <p:sp>
+        <p:nvSpPr>
+          <p:cNvPr id="7" name="Rectangle 6">
+            <a:extLst>
+              <a:ext uri="{FF2B5EF4-FFF2-40B4-BE49-F238E27FC236}">
+                <a16:creationId xmlns:a16="http://schemas.microsoft.com/office/drawing/2014/main" id="{F80D6A8A-57E3-8959-4DE1-84CF8E619890}"/>
+              </a:ext>
+            </a:extLst>
+          </p:cNvPr>
+          <p:cNvSpPr/>
+          <p:nvPr/>
+        </p:nvSpPr>
+        <p:spPr>
+          <a:xfrm>
+            <a:off x="7323287" y="4855348"/>
+            <a:ext cx="1507524" cy="543697"/>
+          </a:xfrm>
+          <a:prstGeom prst="rect">
+            <a:avLst/>
+          </a:prstGeom>
+        </p:spPr>
+        <p:style>
+          <a:lnRef idx="2">
+            <a:schemeClr val="dk1"/>
+          </a:lnRef>
+          <a:fillRef idx="1">
+            <a:schemeClr val="lt1"/>
+          </a:fillRef>
+          <a:effectRef idx="0">
+            <a:schemeClr val="dk1"/>
+          </a:effectRef>
+          <a:fontRef idx="minor">
+            <a:schemeClr val="dk1"/>
+          </a:fontRef>
+        </p:style>
+        <p:txBody>
+          <a:bodyPr rtlCol="0" anchor="ctr"/>
+          <a:lstStyle/>
+          <a:p>
+            <a:pPr algn="ctr"/>
+            <a:r>
+              <a:rPr lang="da-DK" dirty="0" err="1"/>
+              <a:t>Reparator</a:t>
+            </a:r>
+            <a:endParaRPr lang="en-US" dirty="0"/>
+          </a:p>
+        </p:txBody>
+      </p:sp>
+      <p:sp>
+        <p:nvSpPr>
+          <p:cNvPr id="8" name="Rectangle 7">
+            <a:extLst>
+              <a:ext uri="{FF2B5EF4-FFF2-40B4-BE49-F238E27FC236}">
+                <a16:creationId xmlns:a16="http://schemas.microsoft.com/office/drawing/2014/main" id="{4398FEAD-7D48-9748-9AD8-BEE8223F38E4}"/>
+              </a:ext>
+            </a:extLst>
+          </p:cNvPr>
+          <p:cNvSpPr/>
+          <p:nvPr/>
+        </p:nvSpPr>
+        <p:spPr>
+          <a:xfrm>
+            <a:off x="4495516" y="5532996"/>
+            <a:ext cx="1507524" cy="543697"/>
+          </a:xfrm>
+          <a:prstGeom prst="rect">
+            <a:avLst/>
+          </a:prstGeom>
+        </p:spPr>
+        <p:style>
+          <a:lnRef idx="2">
+            <a:schemeClr val="dk1"/>
+          </a:lnRef>
+          <a:fillRef idx="1">
+            <a:schemeClr val="lt1"/>
+          </a:fillRef>
+          <a:effectRef idx="0">
+            <a:schemeClr val="dk1"/>
+          </a:effectRef>
+          <a:fontRef idx="minor">
+            <a:schemeClr val="dk1"/>
+          </a:fontRef>
+        </p:style>
+        <p:txBody>
+          <a:bodyPr rtlCol="0" anchor="ctr"/>
+          <a:lstStyle/>
+          <a:p>
+            <a:pPr algn="ctr"/>
+            <a:r>
+              <a:rPr lang="da-DK" dirty="0"/>
+              <a:t>Walker</a:t>
+            </a:r>
+            <a:endParaRPr lang="en-US" dirty="0"/>
+          </a:p>
+        </p:txBody>
+      </p:sp>
+      <p:sp>
+        <p:nvSpPr>
+          <p:cNvPr id="9" name="Rectangle 8">
+            <a:extLst>
+              <a:ext uri="{FF2B5EF4-FFF2-40B4-BE49-F238E27FC236}">
+                <a16:creationId xmlns:a16="http://schemas.microsoft.com/office/drawing/2014/main" id="{F07E7D09-38DE-4F83-E7E7-DC0748FBC1AD}"/>
+              </a:ext>
+            </a:extLst>
+          </p:cNvPr>
+          <p:cNvSpPr/>
+          <p:nvPr/>
+        </p:nvSpPr>
+        <p:spPr>
+          <a:xfrm>
+            <a:off x="6336673" y="5532995"/>
+            <a:ext cx="1507524" cy="543697"/>
+          </a:xfrm>
+          <a:prstGeom prst="rect">
+            <a:avLst/>
+          </a:prstGeom>
+        </p:spPr>
+        <p:style>
+          <a:lnRef idx="2">
+            <a:schemeClr val="dk1"/>
+          </a:lnRef>
+          <a:fillRef idx="1">
+            <a:schemeClr val="lt1"/>
+          </a:fillRef>
+          <a:effectRef idx="0">
+            <a:schemeClr val="dk1"/>
+          </a:effectRef>
+          <a:fontRef idx="minor">
+            <a:schemeClr val="dk1"/>
+          </a:fontRef>
+        </p:style>
+        <p:txBody>
+          <a:bodyPr rtlCol="0" anchor="ctr"/>
+          <a:lstStyle/>
+          <a:p>
+            <a:pPr algn="ctr"/>
+            <a:r>
+              <a:rPr lang="da-DK" dirty="0" err="1"/>
+              <a:t>Flyier</a:t>
+            </a:r>
+            <a:endParaRPr lang="en-US" dirty="0"/>
+          </a:p>
+        </p:txBody>
+      </p:sp>
+      <p:sp>
+        <p:nvSpPr>
+          <p:cNvPr id="10" name="Rectangle 9">
+            <a:extLst>
+              <a:ext uri="{FF2B5EF4-FFF2-40B4-BE49-F238E27FC236}">
+                <a16:creationId xmlns:a16="http://schemas.microsoft.com/office/drawing/2014/main" id="{A889CA0A-FD0A-1925-2A59-E51145B78AEC}"/>
+              </a:ext>
+            </a:extLst>
+          </p:cNvPr>
+          <p:cNvSpPr/>
+          <p:nvPr/>
+        </p:nvSpPr>
+        <p:spPr>
+          <a:xfrm>
+            <a:off x="8177830" y="5532995"/>
+            <a:ext cx="1507524" cy="543697"/>
+          </a:xfrm>
+          <a:prstGeom prst="rect">
+            <a:avLst/>
+          </a:prstGeom>
+        </p:spPr>
+        <p:style>
+          <a:lnRef idx="2">
+            <a:schemeClr val="dk1"/>
+          </a:lnRef>
+          <a:fillRef idx="1">
+            <a:schemeClr val="lt1"/>
+          </a:fillRef>
+          <a:effectRef idx="0">
+            <a:schemeClr val="dk1"/>
+          </a:effectRef>
+          <a:fontRef idx="minor">
+            <a:schemeClr val="dk1"/>
+          </a:fontRef>
+        </p:style>
+        <p:txBody>
+          <a:bodyPr rtlCol="0" anchor="ctr"/>
+          <a:lstStyle/>
+          <a:p>
+            <a:pPr algn="ctr"/>
+            <a:r>
+              <a:rPr lang="da-DK" dirty="0" err="1"/>
+              <a:t>Diver</a:t>
+            </a:r>
+            <a:endParaRPr lang="en-US" dirty="0"/>
+          </a:p>
+        </p:txBody>
+      </p:sp>
+      <p:sp>
+        <p:nvSpPr>
+          <p:cNvPr id="15" name="Rectangle 14">
+            <a:extLst>
+              <a:ext uri="{FF2B5EF4-FFF2-40B4-BE49-F238E27FC236}">
+                <a16:creationId xmlns:a16="http://schemas.microsoft.com/office/drawing/2014/main" id="{EFB2A6FF-9FF9-3541-5102-CDF4261A2EB5}"/>
+              </a:ext>
+            </a:extLst>
+          </p:cNvPr>
+          <p:cNvSpPr/>
+          <p:nvPr/>
+        </p:nvSpPr>
+        <p:spPr>
+          <a:xfrm>
+            <a:off x="3889290" y="3429000"/>
+            <a:ext cx="1507524" cy="543697"/>
+          </a:xfrm>
+          <a:prstGeom prst="rect">
+            <a:avLst/>
+          </a:prstGeom>
+        </p:spPr>
+        <p:style>
+          <a:lnRef idx="2">
+            <a:schemeClr val="dk1"/>
+          </a:lnRef>
+          <a:fillRef idx="1">
+            <a:schemeClr val="lt1"/>
+          </a:fillRef>
+          <a:effectRef idx="0">
+            <a:schemeClr val="dk1"/>
+          </a:effectRef>
+          <a:fontRef idx="minor">
+            <a:schemeClr val="dk1"/>
+          </a:fontRef>
+        </p:style>
+        <p:txBody>
+          <a:bodyPr rtlCol="0" anchor="ctr"/>
+          <a:lstStyle/>
+          <a:p>
+            <a:pPr algn="ctr"/>
+            <a:r>
+              <a:rPr lang="da-DK" i="1" dirty="0" err="1"/>
+              <a:t>Decorator</a:t>
+            </a:r>
+            <a:endParaRPr lang="en-US" i="1" dirty="0"/>
+          </a:p>
+        </p:txBody>
+      </p:sp>
+      <p:cxnSp>
+        <p:nvCxnSpPr>
+          <p:cNvPr id="18" name="Connector: Elbow 17">
+            <a:extLst>
+              <a:ext uri="{FF2B5EF4-FFF2-40B4-BE49-F238E27FC236}">
+                <a16:creationId xmlns:a16="http://schemas.microsoft.com/office/drawing/2014/main" id="{10367E25-2032-81CD-503F-0F1DF69D9E8F}"/>
+              </a:ext>
+            </a:extLst>
+          </p:cNvPr>
+          <p:cNvCxnSpPr>
+            <a:cxnSpLocks/>
+            <a:stCxn id="15" idx="0"/>
+            <a:endCxn id="3" idx="3"/>
+          </p:cNvCxnSpPr>
+          <p:nvPr/>
+        </p:nvCxnSpPr>
+        <p:spPr>
+          <a:xfrm rot="16200000" flipV="1">
+            <a:off x="3594658" y="2380605"/>
+            <a:ext cx="1647569" cy="449221"/>
+          </a:xfrm>
+          <a:prstGeom prst="bentConnector2">
+            <a:avLst/>
+          </a:prstGeom>
+          <a:ln>
+            <a:tailEnd type="triangle"/>
+          </a:ln>
+        </p:spPr>
+        <p:style>
+          <a:lnRef idx="1">
+            <a:schemeClr val="accent2"/>
+          </a:lnRef>
+          <a:fillRef idx="0">
+            <a:schemeClr val="accent2"/>
+          </a:fillRef>
+          <a:effectRef idx="0">
+            <a:schemeClr val="accent2"/>
+          </a:effectRef>
+          <a:fontRef idx="minor">
+            <a:schemeClr val="tx1"/>
+          </a:fontRef>
+        </p:style>
+      </p:cxnSp>
+      <p:sp>
+        <p:nvSpPr>
+          <p:cNvPr id="25" name="Rectangle 24">
+            <a:extLst>
+              <a:ext uri="{FF2B5EF4-FFF2-40B4-BE49-F238E27FC236}">
+                <a16:creationId xmlns:a16="http://schemas.microsoft.com/office/drawing/2014/main" id="{14C4A7D8-0983-26F4-B827-C3D875F43921}"/>
+              </a:ext>
+            </a:extLst>
+          </p:cNvPr>
+          <p:cNvSpPr/>
+          <p:nvPr/>
+        </p:nvSpPr>
+        <p:spPr>
+          <a:xfrm>
+            <a:off x="2686306" y="2053279"/>
+            <a:ext cx="1507524" cy="543697"/>
+          </a:xfrm>
+          <a:prstGeom prst="rect">
+            <a:avLst/>
+          </a:prstGeom>
+        </p:spPr>
+        <p:style>
+          <a:lnRef idx="2">
+            <a:schemeClr val="dk1"/>
+          </a:lnRef>
+          <a:fillRef idx="1">
+            <a:schemeClr val="lt1"/>
+          </a:fillRef>
+          <a:effectRef idx="0">
+            <a:schemeClr val="dk1"/>
+          </a:effectRef>
+          <a:fontRef idx="minor">
+            <a:schemeClr val="dk1"/>
+          </a:fontRef>
+        </p:style>
+        <p:txBody>
+          <a:bodyPr rtlCol="0" anchor="ctr"/>
+          <a:lstStyle/>
+          <a:p>
+            <a:pPr algn="ctr"/>
+            <a:r>
+              <a:rPr lang="da-DK" dirty="0" err="1"/>
+              <a:t>Move</a:t>
+            </a:r>
+            <a:r>
+              <a:rPr lang="da-DK" dirty="0"/>
+              <a:t>()</a:t>
+            </a:r>
+            <a:endParaRPr lang="en-US" dirty="0"/>
+          </a:p>
+        </p:txBody>
+      </p:sp>
+      <p:sp>
+        <p:nvSpPr>
+          <p:cNvPr id="3" name="Rectangle 2">
+            <a:extLst>
+              <a:ext uri="{FF2B5EF4-FFF2-40B4-BE49-F238E27FC236}">
+                <a16:creationId xmlns:a16="http://schemas.microsoft.com/office/drawing/2014/main" id="{397C9C4C-5025-DBF3-DD4C-D8F88F479ABE}"/>
+              </a:ext>
+            </a:extLst>
+          </p:cNvPr>
+          <p:cNvSpPr/>
+          <p:nvPr/>
+        </p:nvSpPr>
+        <p:spPr>
+          <a:xfrm>
+            <a:off x="2686307" y="1509582"/>
+            <a:ext cx="1507524" cy="543697"/>
+          </a:xfrm>
+          <a:prstGeom prst="rect">
+            <a:avLst/>
+          </a:prstGeom>
+        </p:spPr>
+        <p:style>
+          <a:lnRef idx="2">
+            <a:schemeClr val="dk1"/>
+          </a:lnRef>
+          <a:fillRef idx="1">
+            <a:schemeClr val="lt1"/>
+          </a:fillRef>
+          <a:effectRef idx="0">
+            <a:schemeClr val="dk1"/>
+          </a:effectRef>
+          <a:fontRef idx="minor">
+            <a:schemeClr val="dk1"/>
+          </a:fontRef>
+        </p:style>
+        <p:txBody>
+          <a:bodyPr rtlCol="0" anchor="ctr"/>
+          <a:lstStyle/>
+          <a:p>
+            <a:pPr algn="ctr"/>
+            <a:r>
+              <a:rPr lang="da-DK" i="1" dirty="0"/>
+              <a:t>Robot</a:t>
+            </a:r>
+            <a:endParaRPr lang="en-US" i="1" dirty="0"/>
+          </a:p>
+        </p:txBody>
+      </p:sp>
+      <p:cxnSp>
+        <p:nvCxnSpPr>
+          <p:cNvPr id="13" name="Connector: Elbow 12">
+            <a:extLst>
+              <a:ext uri="{FF2B5EF4-FFF2-40B4-BE49-F238E27FC236}">
+                <a16:creationId xmlns:a16="http://schemas.microsoft.com/office/drawing/2014/main" id="{98CB6D7B-E76B-A3FD-C354-696ACBCF9BA7}"/>
+              </a:ext>
+            </a:extLst>
+          </p:cNvPr>
+          <p:cNvCxnSpPr>
+            <a:cxnSpLocks/>
+            <a:stCxn id="4" idx="0"/>
+            <a:endCxn id="25" idx="2"/>
+          </p:cNvCxnSpPr>
+          <p:nvPr/>
+        </p:nvCxnSpPr>
+        <p:spPr>
+          <a:xfrm rot="5400000" flipH="1" flipV="1">
+            <a:off x="2370155" y="2133624"/>
+            <a:ext cx="606561" cy="1533266"/>
+          </a:xfrm>
+          <a:prstGeom prst="bentConnector3">
+            <a:avLst>
+              <a:gd name="adj1" fmla="val 50000"/>
+            </a:avLst>
+          </a:prstGeom>
+          <a:ln>
+            <a:tailEnd type="triangle"/>
+          </a:ln>
+        </p:spPr>
+        <p:style>
+          <a:lnRef idx="1">
+            <a:schemeClr val="accent1"/>
+          </a:lnRef>
+          <a:fillRef idx="0">
+            <a:schemeClr val="accent1"/>
+          </a:fillRef>
+          <a:effectRef idx="0">
+            <a:schemeClr val="accent1"/>
+          </a:effectRef>
+          <a:fontRef idx="minor">
+            <a:schemeClr val="tx1"/>
+          </a:fontRef>
+        </p:style>
+      </p:cxnSp>
+      <p:sp>
+        <p:nvSpPr>
+          <p:cNvPr id="22" name="Rectangle 21">
+            <a:extLst>
+              <a:ext uri="{FF2B5EF4-FFF2-40B4-BE49-F238E27FC236}">
+                <a16:creationId xmlns:a16="http://schemas.microsoft.com/office/drawing/2014/main" id="{2B2C6258-49B5-C84C-2E3A-E3A39E037EE6}"/>
+              </a:ext>
+            </a:extLst>
+          </p:cNvPr>
+          <p:cNvSpPr/>
+          <p:nvPr/>
+        </p:nvSpPr>
+        <p:spPr>
+          <a:xfrm>
+            <a:off x="1153040" y="3747234"/>
+            <a:ext cx="1507524" cy="543697"/>
+          </a:xfrm>
+          <a:prstGeom prst="rect">
+            <a:avLst/>
+          </a:prstGeom>
+        </p:spPr>
+        <p:style>
+          <a:lnRef idx="2">
+            <a:schemeClr val="dk1"/>
+          </a:lnRef>
+          <a:fillRef idx="1">
+            <a:schemeClr val="lt1"/>
+          </a:fillRef>
+          <a:effectRef idx="0">
+            <a:schemeClr val="dk1"/>
+          </a:effectRef>
+          <a:fontRef idx="minor">
+            <a:schemeClr val="dk1"/>
+          </a:fontRef>
+        </p:style>
+        <p:txBody>
+          <a:bodyPr rtlCol="0" anchor="ctr"/>
+          <a:lstStyle/>
+          <a:p>
+            <a:pPr algn="ctr"/>
+            <a:r>
+              <a:rPr lang="da-DK" dirty="0" err="1"/>
+              <a:t>Move</a:t>
+            </a:r>
+            <a:r>
+              <a:rPr lang="da-DK" dirty="0"/>
+              <a:t>()</a:t>
+            </a:r>
+            <a:endParaRPr lang="en-US" dirty="0"/>
+          </a:p>
+        </p:txBody>
+      </p:sp>
+      <p:cxnSp>
+        <p:nvCxnSpPr>
+          <p:cNvPr id="32" name="Connector: Elbow 31">
+            <a:extLst>
+              <a:ext uri="{FF2B5EF4-FFF2-40B4-BE49-F238E27FC236}">
+                <a16:creationId xmlns:a16="http://schemas.microsoft.com/office/drawing/2014/main" id="{F6F9896A-8AAD-589E-B33E-67AC4DF8D542}"/>
+              </a:ext>
+            </a:extLst>
+          </p:cNvPr>
+          <p:cNvCxnSpPr>
+            <a:stCxn id="5" idx="0"/>
+            <a:endCxn id="15" idx="2"/>
+          </p:cNvCxnSpPr>
+          <p:nvPr/>
+        </p:nvCxnSpPr>
+        <p:spPr>
+          <a:xfrm rot="5400000" flipH="1" flipV="1">
+            <a:off x="4077567" y="4289865"/>
+            <a:ext cx="882652" cy="248317"/>
+          </a:xfrm>
+          <a:prstGeom prst="bentConnector3">
+            <a:avLst/>
+          </a:prstGeom>
+          <a:ln>
+            <a:tailEnd type="triangle"/>
+          </a:ln>
+        </p:spPr>
+        <p:style>
+          <a:lnRef idx="1">
+            <a:schemeClr val="accent1"/>
+          </a:lnRef>
+          <a:fillRef idx="0">
+            <a:schemeClr val="accent1"/>
+          </a:fillRef>
+          <a:effectRef idx="0">
+            <a:schemeClr val="accent1"/>
+          </a:effectRef>
+          <a:fontRef idx="minor">
+            <a:schemeClr val="tx1"/>
+          </a:fontRef>
+        </p:style>
+      </p:cxnSp>
+      <p:sp>
+        <p:nvSpPr>
+          <p:cNvPr id="33" name="TextBox 32">
+            <a:extLst>
+              <a:ext uri="{FF2B5EF4-FFF2-40B4-BE49-F238E27FC236}">
+                <a16:creationId xmlns:a16="http://schemas.microsoft.com/office/drawing/2014/main" id="{C2BD8E04-6CEE-4EFE-C3CC-45D58E9C7334}"/>
+              </a:ext>
+            </a:extLst>
+          </p:cNvPr>
+          <p:cNvSpPr txBox="1"/>
+          <p:nvPr/>
+        </p:nvSpPr>
+        <p:spPr>
+          <a:xfrm>
+            <a:off x="4814449" y="3112316"/>
+            <a:ext cx="301686" cy="369332"/>
+          </a:xfrm>
+          <a:prstGeom prst="rect">
+            <a:avLst/>
+          </a:prstGeom>
+          <a:noFill/>
+        </p:spPr>
+        <p:txBody>
+          <a:bodyPr wrap="none" rtlCol="0">
+            <a:spAutoFit/>
+          </a:bodyPr>
+          <a:lstStyle/>
+          <a:p>
+            <a:r>
+              <a:rPr lang="da-DK" dirty="0"/>
+              <a:t>1</a:t>
+            </a:r>
+            <a:endParaRPr lang="en-US" dirty="0"/>
+          </a:p>
+        </p:txBody>
+      </p:sp>
+      <p:sp>
+        <p:nvSpPr>
+          <p:cNvPr id="34" name="TextBox 33">
+            <a:extLst>
+              <a:ext uri="{FF2B5EF4-FFF2-40B4-BE49-F238E27FC236}">
+                <a16:creationId xmlns:a16="http://schemas.microsoft.com/office/drawing/2014/main" id="{CC828BD6-1DCC-AF3E-4A81-68F6F89E28E8}"/>
+              </a:ext>
+            </a:extLst>
+          </p:cNvPr>
+          <p:cNvSpPr txBox="1"/>
+          <p:nvPr/>
+        </p:nvSpPr>
+        <p:spPr>
+          <a:xfrm>
+            <a:off x="4193830" y="1394875"/>
+            <a:ext cx="301686" cy="369332"/>
+          </a:xfrm>
+          <a:prstGeom prst="rect">
+            <a:avLst/>
+          </a:prstGeom>
+          <a:noFill/>
+        </p:spPr>
+        <p:txBody>
+          <a:bodyPr wrap="none" rtlCol="0">
+            <a:spAutoFit/>
+          </a:bodyPr>
+          <a:lstStyle/>
+          <a:p>
+            <a:r>
+              <a:rPr lang="da-DK" dirty="0"/>
+              <a:t>1</a:t>
+            </a:r>
+            <a:endParaRPr lang="en-US" dirty="0"/>
+          </a:p>
+        </p:txBody>
+      </p:sp>
+      <p:cxnSp>
+        <p:nvCxnSpPr>
+          <p:cNvPr id="11" name="Connector: Elbow 10">
+            <a:extLst>
+              <a:ext uri="{FF2B5EF4-FFF2-40B4-BE49-F238E27FC236}">
+                <a16:creationId xmlns:a16="http://schemas.microsoft.com/office/drawing/2014/main" id="{3B5331AF-E3A5-8229-D91A-68669D892AB4}"/>
+              </a:ext>
+            </a:extLst>
+          </p:cNvPr>
+          <p:cNvCxnSpPr>
+            <a:cxnSpLocks/>
+            <a:stCxn id="6" idx="0"/>
+            <a:endCxn id="15" idx="2"/>
+          </p:cNvCxnSpPr>
+          <p:nvPr/>
+        </p:nvCxnSpPr>
+        <p:spPr>
+          <a:xfrm rot="16200000" flipV="1">
+            <a:off x="4998147" y="3617603"/>
+            <a:ext cx="882651" cy="1592840"/>
+          </a:xfrm>
+          <a:prstGeom prst="bentConnector3">
+            <a:avLst>
+              <a:gd name="adj1" fmla="val 50000"/>
+            </a:avLst>
+          </a:prstGeom>
+          <a:ln>
+            <a:tailEnd type="triangle"/>
+          </a:ln>
+        </p:spPr>
+        <p:style>
+          <a:lnRef idx="1">
+            <a:schemeClr val="accent1"/>
+          </a:lnRef>
+          <a:fillRef idx="0">
+            <a:schemeClr val="accent1"/>
+          </a:fillRef>
+          <a:effectRef idx="0">
+            <a:schemeClr val="accent1"/>
+          </a:effectRef>
+          <a:fontRef idx="minor">
+            <a:schemeClr val="tx1"/>
+          </a:fontRef>
+        </p:style>
+      </p:cxnSp>
+      <p:cxnSp>
+        <p:nvCxnSpPr>
+          <p:cNvPr id="17" name="Connector: Elbow 16">
+            <a:extLst>
+              <a:ext uri="{FF2B5EF4-FFF2-40B4-BE49-F238E27FC236}">
+                <a16:creationId xmlns:a16="http://schemas.microsoft.com/office/drawing/2014/main" id="{3237119B-6170-327B-76D7-27518F29F10F}"/>
+              </a:ext>
+            </a:extLst>
+          </p:cNvPr>
+          <p:cNvCxnSpPr>
+            <a:cxnSpLocks/>
+            <a:stCxn id="7" idx="0"/>
+            <a:endCxn id="15" idx="2"/>
+          </p:cNvCxnSpPr>
+          <p:nvPr/>
+        </p:nvCxnSpPr>
+        <p:spPr>
+          <a:xfrm rot="16200000" flipV="1">
+            <a:off x="5918726" y="2697024"/>
+            <a:ext cx="882651" cy="3433997"/>
+          </a:xfrm>
+          <a:prstGeom prst="bentConnector3">
+            <a:avLst>
+              <a:gd name="adj1" fmla="val 50000"/>
+            </a:avLst>
+          </a:prstGeom>
+          <a:ln>
+            <a:tailEnd type="triangle"/>
+          </a:ln>
+        </p:spPr>
+        <p:style>
+          <a:lnRef idx="1">
+            <a:schemeClr val="accent1"/>
+          </a:lnRef>
+          <a:fillRef idx="0">
+            <a:schemeClr val="accent1"/>
+          </a:fillRef>
+          <a:effectRef idx="0">
+            <a:schemeClr val="accent1"/>
+          </a:effectRef>
+          <a:fontRef idx="minor">
+            <a:schemeClr val="tx1"/>
+          </a:fontRef>
+        </p:style>
+      </p:cxnSp>
+      <p:cxnSp>
+        <p:nvCxnSpPr>
+          <p:cNvPr id="21" name="Connector: Elbow 20">
+            <a:extLst>
+              <a:ext uri="{FF2B5EF4-FFF2-40B4-BE49-F238E27FC236}">
+                <a16:creationId xmlns:a16="http://schemas.microsoft.com/office/drawing/2014/main" id="{19649139-744C-5C63-FEB2-E50A4FAF1191}"/>
+              </a:ext>
+            </a:extLst>
+          </p:cNvPr>
+          <p:cNvCxnSpPr>
+            <a:cxnSpLocks/>
+            <a:stCxn id="8" idx="0"/>
+            <a:endCxn id="15" idx="2"/>
+          </p:cNvCxnSpPr>
+          <p:nvPr/>
+        </p:nvCxnSpPr>
+        <p:spPr>
+          <a:xfrm rot="16200000" flipV="1">
+            <a:off x="4166016" y="4449734"/>
+            <a:ext cx="1560299" cy="606226"/>
+          </a:xfrm>
+          <a:prstGeom prst="bentConnector3">
+            <a:avLst>
+              <a:gd name="adj1" fmla="val 50000"/>
+            </a:avLst>
+          </a:prstGeom>
+          <a:ln>
+            <a:tailEnd type="triangle"/>
+          </a:ln>
+        </p:spPr>
+        <p:style>
+          <a:lnRef idx="1">
+            <a:schemeClr val="accent1"/>
+          </a:lnRef>
+          <a:fillRef idx="0">
+            <a:schemeClr val="accent1"/>
+          </a:fillRef>
+          <a:effectRef idx="0">
+            <a:schemeClr val="accent1"/>
+          </a:effectRef>
+          <a:fontRef idx="minor">
+            <a:schemeClr val="tx1"/>
+          </a:fontRef>
+        </p:style>
+      </p:cxnSp>
+      <p:cxnSp>
+        <p:nvCxnSpPr>
+          <p:cNvPr id="29" name="Connector: Elbow 28">
+            <a:extLst>
+              <a:ext uri="{FF2B5EF4-FFF2-40B4-BE49-F238E27FC236}">
+                <a16:creationId xmlns:a16="http://schemas.microsoft.com/office/drawing/2014/main" id="{5D10E0B6-3336-DFFF-7492-8582873DA85A}"/>
+              </a:ext>
+            </a:extLst>
+          </p:cNvPr>
+          <p:cNvCxnSpPr>
+            <a:cxnSpLocks/>
+            <a:stCxn id="10" idx="0"/>
+            <a:endCxn id="15" idx="2"/>
+          </p:cNvCxnSpPr>
+          <p:nvPr/>
+        </p:nvCxnSpPr>
+        <p:spPr>
+          <a:xfrm rot="16200000" flipV="1">
+            <a:off x="6007173" y="2608576"/>
+            <a:ext cx="1560298" cy="4288540"/>
+          </a:xfrm>
+          <a:prstGeom prst="bentConnector3">
+            <a:avLst>
+              <a:gd name="adj1" fmla="val 50000"/>
+            </a:avLst>
+          </a:prstGeom>
+          <a:ln>
+            <a:tailEnd type="triangle"/>
+          </a:ln>
+        </p:spPr>
+        <p:style>
+          <a:lnRef idx="1">
+            <a:schemeClr val="accent1"/>
+          </a:lnRef>
+          <a:fillRef idx="0">
+            <a:schemeClr val="accent1"/>
+          </a:fillRef>
+          <a:effectRef idx="0">
+            <a:schemeClr val="accent1"/>
+          </a:effectRef>
+          <a:fontRef idx="minor">
+            <a:schemeClr val="tx1"/>
+          </a:fontRef>
+        </p:style>
+      </p:cxnSp>
+      <p:cxnSp>
+        <p:nvCxnSpPr>
+          <p:cNvPr id="35" name="Connector: Elbow 34">
+            <a:extLst>
+              <a:ext uri="{FF2B5EF4-FFF2-40B4-BE49-F238E27FC236}">
+                <a16:creationId xmlns:a16="http://schemas.microsoft.com/office/drawing/2014/main" id="{2E7F7433-D49A-6908-E311-60D8A9D09E9B}"/>
+              </a:ext>
+            </a:extLst>
+          </p:cNvPr>
+          <p:cNvCxnSpPr>
+            <a:cxnSpLocks/>
+            <a:stCxn id="9" idx="0"/>
+            <a:endCxn id="15" idx="2"/>
+          </p:cNvCxnSpPr>
+          <p:nvPr/>
+        </p:nvCxnSpPr>
+        <p:spPr>
+          <a:xfrm rot="16200000" flipV="1">
+            <a:off x="5086595" y="3529154"/>
+            <a:ext cx="1560298" cy="2447383"/>
+          </a:xfrm>
+          <a:prstGeom prst="bentConnector3">
+            <a:avLst>
+              <a:gd name="adj1" fmla="val 50000"/>
+            </a:avLst>
+          </a:prstGeom>
+          <a:ln>
+            <a:tailEnd type="triangle"/>
+          </a:ln>
+        </p:spPr>
+        <p:style>
+          <a:lnRef idx="1">
+            <a:schemeClr val="accent1"/>
+          </a:lnRef>
+          <a:fillRef idx="0">
+            <a:schemeClr val="accent1"/>
+          </a:fillRef>
+          <a:effectRef idx="0">
+            <a:schemeClr val="accent1"/>
+          </a:effectRef>
+          <a:fontRef idx="minor">
+            <a:schemeClr val="tx1"/>
+          </a:fontRef>
+        </p:style>
+      </p:cxnSp>
+      <p:sp>
+        <p:nvSpPr>
+          <p:cNvPr id="38" name="Speech Bubble: Oval 37">
+            <a:extLst>
+              <a:ext uri="{FF2B5EF4-FFF2-40B4-BE49-F238E27FC236}">
+                <a16:creationId xmlns:a16="http://schemas.microsoft.com/office/drawing/2014/main" id="{B225FD14-1111-B3AB-A0E5-1D85E2B43BCC}"/>
+              </a:ext>
+            </a:extLst>
+          </p:cNvPr>
+          <p:cNvSpPr/>
+          <p:nvPr/>
+        </p:nvSpPr>
+        <p:spPr>
+          <a:xfrm>
+            <a:off x="486032" y="5305168"/>
+            <a:ext cx="2454876" cy="1187707"/>
+          </a:xfrm>
+          <a:prstGeom prst="wedgeEllipseCallout">
+            <a:avLst/>
+          </a:prstGeom>
+        </p:spPr>
+        <p:style>
+          <a:lnRef idx="2">
+            <a:schemeClr val="accent1">
+              <a:shade val="50000"/>
+            </a:schemeClr>
+          </a:lnRef>
+          <a:fillRef idx="1">
+            <a:schemeClr val="accent1"/>
+          </a:fillRef>
+          <a:effectRef idx="0">
+            <a:schemeClr val="accent1"/>
+          </a:effectRef>
+          <a:fontRef idx="minor">
+            <a:schemeClr val="lt1"/>
+          </a:fontRef>
+        </p:style>
+        <p:txBody>
+          <a:bodyPr rtlCol="0" anchor="ctr"/>
+          <a:lstStyle/>
+          <a:p>
+            <a:pPr algn="ctr"/>
+            <a:r>
+              <a:rPr lang="da-DK" dirty="0" err="1"/>
+              <a:t>Decorator</a:t>
+            </a:r>
+            <a:r>
+              <a:rPr lang="da-DK" dirty="0"/>
+              <a:t>: </a:t>
+            </a:r>
+            <a:r>
+              <a:rPr lang="da-DK" dirty="0" err="1"/>
+              <a:t>also</a:t>
+            </a:r>
+            <a:r>
+              <a:rPr lang="da-DK" dirty="0"/>
+              <a:t> </a:t>
+            </a:r>
+            <a:r>
+              <a:rPr lang="da-DK" dirty="0" err="1"/>
+              <a:t>combinations</a:t>
+            </a:r>
+            <a:endParaRPr lang="en-US" dirty="0"/>
+          </a:p>
+        </p:txBody>
+      </p:sp>
+      <p:sp>
+        <p:nvSpPr>
+          <p:cNvPr id="39" name="Rectangle 38">
+            <a:extLst>
+              <a:ext uri="{FF2B5EF4-FFF2-40B4-BE49-F238E27FC236}">
+                <a16:creationId xmlns:a16="http://schemas.microsoft.com/office/drawing/2014/main" id="{F2053AED-3697-8901-23DF-F9D2AE1CAECA}"/>
+              </a:ext>
+            </a:extLst>
+          </p:cNvPr>
+          <p:cNvSpPr/>
+          <p:nvPr/>
+        </p:nvSpPr>
+        <p:spPr>
+          <a:xfrm>
+            <a:off x="4495516" y="6076691"/>
+            <a:ext cx="1507524" cy="543697"/>
+          </a:xfrm>
+          <a:prstGeom prst="rect">
+            <a:avLst/>
+          </a:prstGeom>
+        </p:spPr>
+        <p:style>
+          <a:lnRef idx="2">
+            <a:schemeClr val="dk1"/>
+          </a:lnRef>
+          <a:fillRef idx="1">
+            <a:schemeClr val="lt1"/>
+          </a:fillRef>
+          <a:effectRef idx="0">
+            <a:schemeClr val="dk1"/>
+          </a:effectRef>
+          <a:fontRef idx="minor">
+            <a:schemeClr val="dk1"/>
+          </a:fontRef>
+        </p:style>
+        <p:txBody>
+          <a:bodyPr rtlCol="0" anchor="ctr"/>
+          <a:lstStyle/>
+          <a:p>
+            <a:pPr algn="ctr"/>
+            <a:r>
+              <a:rPr lang="da-DK" dirty="0" err="1"/>
+              <a:t>Move</a:t>
+            </a:r>
+            <a:r>
+              <a:rPr lang="da-DK" dirty="0"/>
+              <a:t>()</a:t>
+            </a:r>
+            <a:endParaRPr lang="en-US" dirty="0"/>
+          </a:p>
+        </p:txBody>
+      </p:sp>
+    </p:spTree>
+    <p:extLst>
+      <p:ext uri="{BB962C8B-B14F-4D97-AF65-F5344CB8AC3E}">
+        <p14:creationId xmlns:p14="http://schemas.microsoft.com/office/powerpoint/2010/main" val="3143749322"/>
       </p:ext>
     </p:extLst>
   </p:cSld>
